--- a/Algorithm/1. 백트래킹.pptx
+++ b/Algorithm/1. 백트래킹.pptx
@@ -11,12 +11,13 @@
     <p:sldId id="261" r:id="rId5"/>
     <p:sldId id="262" r:id="rId6"/>
     <p:sldId id="263" r:id="rId7"/>
-    <p:sldId id="264" r:id="rId8"/>
-    <p:sldId id="266" r:id="rId9"/>
-    <p:sldId id="265" r:id="rId10"/>
-    <p:sldId id="267" r:id="rId11"/>
-    <p:sldId id="268" r:id="rId12"/>
-    <p:sldId id="269" r:id="rId13"/>
+    <p:sldId id="270" r:id="rId8"/>
+    <p:sldId id="264" r:id="rId9"/>
+    <p:sldId id="266" r:id="rId10"/>
+    <p:sldId id="265" r:id="rId11"/>
+    <p:sldId id="267" r:id="rId12"/>
+    <p:sldId id="268" r:id="rId13"/>
+    <p:sldId id="269" r:id="rId14"/>
   </p:sldIdLst>
   <p:sldSz cx="12192000" cy="6858000"/>
   <p:notesSz cx="6858000" cy="9144000"/>
@@ -115,6 +116,11 @@
       </a:defRPr>
     </a:lvl9pPr>
   </p:defaultTextStyle>
+  <p:extLst>
+    <p:ext uri="{EFAFB233-063F-42B5-8137-9DF3F51BA10A}">
+      <p15:sldGuideLst xmlns:p15="http://schemas.microsoft.com/office/powerpoint/2012/main"/>
+    </p:ext>
+  </p:extLst>
 </p:presentation>
 </file>
 
@@ -265,7 +271,7 @@
           <a:p>
             <a:fld id="{BFAE2508-33BD-3B41-8DD6-93B77504DFF8}" type="datetimeFigureOut">
               <a:rPr kumimoji="1" lang="ko-KR" altLang="en-US" smtClean="0"/>
-              <a:t>2022. 10. 31.</a:t>
+              <a:t>2022. 11. 9.</a:t>
             </a:fld>
             <a:endParaRPr kumimoji="1" lang="ko-KR" altLang="en-US"/>
           </a:p>
@@ -463,7 +469,7 @@
           <a:p>
             <a:fld id="{BFAE2508-33BD-3B41-8DD6-93B77504DFF8}" type="datetimeFigureOut">
               <a:rPr kumimoji="1" lang="ko-KR" altLang="en-US" smtClean="0"/>
-              <a:t>2022. 10. 31.</a:t>
+              <a:t>2022. 11. 9.</a:t>
             </a:fld>
             <a:endParaRPr kumimoji="1" lang="ko-KR" altLang="en-US"/>
           </a:p>
@@ -671,7 +677,7 @@
           <a:p>
             <a:fld id="{BFAE2508-33BD-3B41-8DD6-93B77504DFF8}" type="datetimeFigureOut">
               <a:rPr kumimoji="1" lang="ko-KR" altLang="en-US" smtClean="0"/>
-              <a:t>2022. 10. 31.</a:t>
+              <a:t>2022. 11. 9.</a:t>
             </a:fld>
             <a:endParaRPr kumimoji="1" lang="ko-KR" altLang="en-US"/>
           </a:p>
@@ -869,7 +875,7 @@
           <a:p>
             <a:fld id="{BFAE2508-33BD-3B41-8DD6-93B77504DFF8}" type="datetimeFigureOut">
               <a:rPr kumimoji="1" lang="ko-KR" altLang="en-US" smtClean="0"/>
-              <a:t>2022. 10. 31.</a:t>
+              <a:t>2022. 11. 9.</a:t>
             </a:fld>
             <a:endParaRPr kumimoji="1" lang="ko-KR" altLang="en-US"/>
           </a:p>
@@ -1144,7 +1150,7 @@
           <a:p>
             <a:fld id="{BFAE2508-33BD-3B41-8DD6-93B77504DFF8}" type="datetimeFigureOut">
               <a:rPr kumimoji="1" lang="ko-KR" altLang="en-US" smtClean="0"/>
-              <a:t>2022. 10. 31.</a:t>
+              <a:t>2022. 11. 9.</a:t>
             </a:fld>
             <a:endParaRPr kumimoji="1" lang="ko-KR" altLang="en-US"/>
           </a:p>
@@ -1409,7 +1415,7 @@
           <a:p>
             <a:fld id="{BFAE2508-33BD-3B41-8DD6-93B77504DFF8}" type="datetimeFigureOut">
               <a:rPr kumimoji="1" lang="ko-KR" altLang="en-US" smtClean="0"/>
-              <a:t>2022. 10. 31.</a:t>
+              <a:t>2022. 11. 9.</a:t>
             </a:fld>
             <a:endParaRPr kumimoji="1" lang="ko-KR" altLang="en-US"/>
           </a:p>
@@ -1821,7 +1827,7 @@
           <a:p>
             <a:fld id="{BFAE2508-33BD-3B41-8DD6-93B77504DFF8}" type="datetimeFigureOut">
               <a:rPr kumimoji="1" lang="ko-KR" altLang="en-US" smtClean="0"/>
-              <a:t>2022. 10. 31.</a:t>
+              <a:t>2022. 11. 9.</a:t>
             </a:fld>
             <a:endParaRPr kumimoji="1" lang="ko-KR" altLang="en-US"/>
           </a:p>
@@ -1962,7 +1968,7 @@
           <a:p>
             <a:fld id="{BFAE2508-33BD-3B41-8DD6-93B77504DFF8}" type="datetimeFigureOut">
               <a:rPr kumimoji="1" lang="ko-KR" altLang="en-US" smtClean="0"/>
-              <a:t>2022. 10. 31.</a:t>
+              <a:t>2022. 11. 9.</a:t>
             </a:fld>
             <a:endParaRPr kumimoji="1" lang="ko-KR" altLang="en-US"/>
           </a:p>
@@ -2075,7 +2081,7 @@
           <a:p>
             <a:fld id="{BFAE2508-33BD-3B41-8DD6-93B77504DFF8}" type="datetimeFigureOut">
               <a:rPr kumimoji="1" lang="ko-KR" altLang="en-US" smtClean="0"/>
-              <a:t>2022. 10. 31.</a:t>
+              <a:t>2022. 11. 9.</a:t>
             </a:fld>
             <a:endParaRPr kumimoji="1" lang="ko-KR" altLang="en-US"/>
           </a:p>
@@ -2386,7 +2392,7 @@
           <a:p>
             <a:fld id="{BFAE2508-33BD-3B41-8DD6-93B77504DFF8}" type="datetimeFigureOut">
               <a:rPr kumimoji="1" lang="ko-KR" altLang="en-US" smtClean="0"/>
-              <a:t>2022. 10. 31.</a:t>
+              <a:t>2022. 11. 9.</a:t>
             </a:fld>
             <a:endParaRPr kumimoji="1" lang="ko-KR" altLang="en-US"/>
           </a:p>
@@ -2674,7 +2680,7 @@
           <a:p>
             <a:fld id="{BFAE2508-33BD-3B41-8DD6-93B77504DFF8}" type="datetimeFigureOut">
               <a:rPr kumimoji="1" lang="ko-KR" altLang="en-US" smtClean="0"/>
-              <a:t>2022. 10. 31.</a:t>
+              <a:t>2022. 11. 9.</a:t>
             </a:fld>
             <a:endParaRPr kumimoji="1" lang="ko-KR" altLang="en-US"/>
           </a:p>
@@ -2915,7 +2921,7 @@
           <a:p>
             <a:fld id="{BFAE2508-33BD-3B41-8DD6-93B77504DFF8}" type="datetimeFigureOut">
               <a:rPr kumimoji="1" lang="ko-KR" altLang="en-US" smtClean="0"/>
-              <a:t>2022. 10. 31.</a:t>
+              <a:t>2022. 11. 9.</a:t>
             </a:fld>
             <a:endParaRPr kumimoji="1" lang="ko-KR" altLang="en-US"/>
           </a:p>
@@ -3392,7 +3398,7 @@
           <a:p>
             <a:r>
               <a:rPr kumimoji="1" lang="en-US" altLang="ko-KR" dirty="0"/>
-              <a:t>22/11/02</a:t>
+              <a:t>22/11/09</a:t>
             </a:r>
           </a:p>
           <a:p>
@@ -3435,10 +3441,39 @@
       </p:grpSpPr>
       <p:sp>
         <p:nvSpPr>
+          <p:cNvPr id="2" name="제목 1">
+            <a:extLst>
+              <a:ext uri="{FF2B5EF4-FFF2-40B4-BE49-F238E27FC236}">
+                <a16:creationId xmlns:a16="http://schemas.microsoft.com/office/drawing/2014/main" id="{FD12257F-03E4-8950-1ABF-1C3008A2FFA4}"/>
+              </a:ext>
+            </a:extLst>
+          </p:cNvPr>
+          <p:cNvSpPr>
+            <a:spLocks noGrp="1"/>
+          </p:cNvSpPr>
+          <p:nvPr>
+            <p:ph type="title"/>
+          </p:nvPr>
+        </p:nvSpPr>
+        <p:spPr/>
+        <p:txBody>
+          <a:bodyPr/>
+          <a:lstStyle/>
+          <a:p>
+            <a:r>
+              <a:rPr kumimoji="1" lang="en-US" altLang="ko-KR" dirty="0"/>
+              <a:t>Example 1</a:t>
+            </a:r>
+            <a:endParaRPr kumimoji="1" lang="ko-KR" altLang="en-US" dirty="0"/>
+          </a:p>
+        </p:txBody>
+      </p:sp>
+      <p:sp>
+        <p:nvSpPr>
           <p:cNvPr id="3" name="내용 개체 틀 2">
             <a:extLst>
               <a:ext uri="{FF2B5EF4-FFF2-40B4-BE49-F238E27FC236}">
-                <a16:creationId xmlns:a16="http://schemas.microsoft.com/office/drawing/2014/main" id="{34E5EF80-FCE6-01EC-3D05-36D0E0484C2C}"/>
+                <a16:creationId xmlns:a16="http://schemas.microsoft.com/office/drawing/2014/main" id="{46E03117-3707-A6E8-3B2F-78834D3597F7}"/>
               </a:ext>
             </a:extLst>
           </p:cNvPr>
@@ -3449,1667 +3484,40 @@
             <p:ph idx="1"/>
           </p:nvPr>
         </p:nvSpPr>
-        <p:spPr>
-          <a:xfrm>
-            <a:off x="838200" y="206188"/>
-            <a:ext cx="10515600" cy="5970775"/>
-          </a:xfrm>
-        </p:spPr>
-        <p:txBody>
-          <a:bodyPr>
-            <a:normAutofit fontScale="40000" lnSpcReduction="20000"/>
-          </a:bodyPr>
-          <a:lstStyle/>
-          <a:p>
-            <a:pPr marL="0" indent="0">
-              <a:buNone/>
-            </a:pPr>
-            <a:r>
-              <a:rPr lang="en" altLang="ko-KR" b="0" dirty="0">
-                <a:solidFill>
-                  <a:srgbClr val="C586C0"/>
-                </a:solidFill>
-                <a:effectLst/>
-                <a:latin typeface="Menlo" panose="020B0609030804020204" pitchFamily="49" charset="0"/>
-              </a:rPr>
-              <a:t>from</a:t>
-            </a:r>
-            <a:r>
-              <a:rPr lang="en" altLang="ko-KR" b="0" dirty="0">
-                <a:solidFill>
-                  <a:srgbClr val="D4D4D4"/>
-                </a:solidFill>
-                <a:effectLst/>
-                <a:latin typeface="Menlo" panose="020B0609030804020204" pitchFamily="49" charset="0"/>
-              </a:rPr>
-              <a:t> </a:t>
-            </a:r>
-            <a:r>
-              <a:rPr lang="en" altLang="ko-KR" b="0" dirty="0">
-                <a:solidFill>
-                  <a:srgbClr val="4EC9B0"/>
-                </a:solidFill>
-                <a:effectLst/>
-                <a:latin typeface="Menlo" panose="020B0609030804020204" pitchFamily="49" charset="0"/>
-              </a:rPr>
-              <a:t>sys</a:t>
-            </a:r>
-            <a:r>
-              <a:rPr lang="en" altLang="ko-KR" b="0" dirty="0">
-                <a:solidFill>
-                  <a:srgbClr val="D4D4D4"/>
-                </a:solidFill>
-                <a:effectLst/>
-                <a:latin typeface="Menlo" panose="020B0609030804020204" pitchFamily="49" charset="0"/>
-              </a:rPr>
-              <a:t> </a:t>
-            </a:r>
-            <a:r>
-              <a:rPr lang="en" altLang="ko-KR" b="0" dirty="0">
-                <a:solidFill>
-                  <a:srgbClr val="C586C0"/>
-                </a:solidFill>
-                <a:effectLst/>
-                <a:latin typeface="Menlo" panose="020B0609030804020204" pitchFamily="49" charset="0"/>
-              </a:rPr>
-              <a:t>import</a:t>
-            </a:r>
-            <a:r>
-              <a:rPr lang="en" altLang="ko-KR" b="0" dirty="0">
-                <a:solidFill>
-                  <a:srgbClr val="D4D4D4"/>
-                </a:solidFill>
-                <a:effectLst/>
-                <a:latin typeface="Menlo" panose="020B0609030804020204" pitchFamily="49" charset="0"/>
-              </a:rPr>
-              <a:t> </a:t>
-            </a:r>
-            <a:r>
-              <a:rPr lang="en" altLang="ko-KR" b="0" dirty="0">
-                <a:solidFill>
-                  <a:srgbClr val="9CDCFE"/>
-                </a:solidFill>
-                <a:effectLst/>
-                <a:latin typeface="Menlo" panose="020B0609030804020204" pitchFamily="49" charset="0"/>
-              </a:rPr>
-              <a:t>stdin</a:t>
-            </a:r>
-            <a:r>
-              <a:rPr lang="en" altLang="ko-KR" b="0" dirty="0">
-                <a:solidFill>
-                  <a:srgbClr val="D4D4D4"/>
-                </a:solidFill>
-                <a:effectLst/>
-                <a:latin typeface="Menlo" panose="020B0609030804020204" pitchFamily="49" charset="0"/>
-              </a:rPr>
-              <a:t>, </a:t>
-            </a:r>
-            <a:r>
-              <a:rPr lang="en" altLang="ko-KR" b="0" dirty="0" err="1">
-                <a:solidFill>
-                  <a:srgbClr val="9CDCFE"/>
-                </a:solidFill>
-                <a:effectLst/>
-                <a:latin typeface="Menlo" panose="020B0609030804020204" pitchFamily="49" charset="0"/>
-              </a:rPr>
-              <a:t>stdout</a:t>
-            </a:r>
-            <a:endParaRPr lang="en" altLang="ko-KR" b="0" dirty="0">
-              <a:solidFill>
-                <a:srgbClr val="D4D4D4"/>
-              </a:solidFill>
-              <a:effectLst/>
-              <a:latin typeface="Menlo" panose="020B0609030804020204" pitchFamily="49" charset="0"/>
-            </a:endParaRPr>
-          </a:p>
-          <a:p>
-            <a:pPr marL="0" indent="0">
-              <a:buNone/>
-            </a:pPr>
-            <a:br>
-              <a:rPr lang="en" altLang="ko-KR" b="0" dirty="0">
-                <a:solidFill>
-                  <a:srgbClr val="D4D4D4"/>
-                </a:solidFill>
-                <a:effectLst/>
-                <a:latin typeface="Menlo" panose="020B0609030804020204" pitchFamily="49" charset="0"/>
-              </a:rPr>
-            </a:br>
-            <a:r>
-              <a:rPr lang="en" altLang="ko-KR" b="0" dirty="0" err="1">
-                <a:solidFill>
-                  <a:srgbClr val="9CDCFE"/>
-                </a:solidFill>
-                <a:effectLst/>
-                <a:latin typeface="Menlo" panose="020B0609030804020204" pitchFamily="49" charset="0"/>
-              </a:rPr>
-              <a:t>num_list</a:t>
-            </a:r>
-            <a:r>
-              <a:rPr lang="en" altLang="ko-KR" b="0" dirty="0">
-                <a:solidFill>
-                  <a:srgbClr val="D4D4D4"/>
-                </a:solidFill>
-                <a:effectLst/>
-                <a:latin typeface="Menlo" panose="020B0609030804020204" pitchFamily="49" charset="0"/>
-              </a:rPr>
-              <a:t> = []</a:t>
-            </a:r>
-          </a:p>
-          <a:p>
-            <a:pPr marL="0" indent="0">
-              <a:buNone/>
-            </a:pPr>
-            <a:r>
-              <a:rPr lang="en" altLang="ko-KR" b="0" dirty="0" err="1">
-                <a:solidFill>
-                  <a:srgbClr val="9CDCFE"/>
-                </a:solidFill>
-                <a:effectLst/>
-                <a:latin typeface="Menlo" panose="020B0609030804020204" pitchFamily="49" charset="0"/>
-              </a:rPr>
-              <a:t>bool_num_list</a:t>
-            </a:r>
-            <a:r>
-              <a:rPr lang="en" altLang="ko-KR" b="0" dirty="0">
-                <a:solidFill>
-                  <a:srgbClr val="D4D4D4"/>
-                </a:solidFill>
-                <a:effectLst/>
-                <a:latin typeface="Menlo" panose="020B0609030804020204" pitchFamily="49" charset="0"/>
-              </a:rPr>
-              <a:t> = []</a:t>
-            </a:r>
-          </a:p>
-          <a:p>
-            <a:pPr marL="0" indent="0">
-              <a:buNone/>
-            </a:pPr>
-            <a:br>
-              <a:rPr lang="en" altLang="ko-KR" b="0" dirty="0">
-                <a:solidFill>
-                  <a:srgbClr val="D4D4D4"/>
-                </a:solidFill>
-                <a:effectLst/>
-                <a:latin typeface="Menlo" panose="020B0609030804020204" pitchFamily="49" charset="0"/>
-              </a:rPr>
-            </a:br>
-            <a:r>
-              <a:rPr lang="en" altLang="ko-KR" b="0" dirty="0">
-                <a:solidFill>
-                  <a:srgbClr val="569CD6"/>
-                </a:solidFill>
-                <a:effectLst/>
-                <a:latin typeface="Menlo" panose="020B0609030804020204" pitchFamily="49" charset="0"/>
-              </a:rPr>
-              <a:t>def</a:t>
-            </a:r>
-            <a:r>
-              <a:rPr lang="en" altLang="ko-KR" b="0" dirty="0">
-                <a:solidFill>
-                  <a:srgbClr val="D4D4D4"/>
-                </a:solidFill>
-                <a:effectLst/>
-                <a:latin typeface="Menlo" panose="020B0609030804020204" pitchFamily="49" charset="0"/>
-              </a:rPr>
-              <a:t> </a:t>
-            </a:r>
-            <a:r>
-              <a:rPr lang="en" altLang="ko-KR" b="0" dirty="0">
-                <a:solidFill>
-                  <a:srgbClr val="DCDCAA"/>
-                </a:solidFill>
-                <a:effectLst/>
-                <a:latin typeface="Menlo" panose="020B0609030804020204" pitchFamily="49" charset="0"/>
-              </a:rPr>
-              <a:t>solve</a:t>
-            </a:r>
-            <a:r>
-              <a:rPr lang="en" altLang="ko-KR" b="0" dirty="0">
-                <a:solidFill>
-                  <a:srgbClr val="D4D4D4"/>
-                </a:solidFill>
-                <a:effectLst/>
-                <a:latin typeface="Menlo" panose="020B0609030804020204" pitchFamily="49" charset="0"/>
-              </a:rPr>
-              <a:t>(</a:t>
-            </a:r>
-            <a:r>
-              <a:rPr lang="en" altLang="ko-KR" b="0" dirty="0">
-                <a:solidFill>
-                  <a:srgbClr val="9CDCFE"/>
-                </a:solidFill>
-                <a:effectLst/>
-                <a:latin typeface="Menlo" panose="020B0609030804020204" pitchFamily="49" charset="0"/>
-              </a:rPr>
-              <a:t>m</a:t>
-            </a:r>
-            <a:r>
-              <a:rPr lang="en" altLang="ko-KR" b="0" dirty="0">
-                <a:solidFill>
-                  <a:srgbClr val="D4D4D4"/>
-                </a:solidFill>
-                <a:effectLst/>
-                <a:latin typeface="Menlo" panose="020B0609030804020204" pitchFamily="49" charset="0"/>
-              </a:rPr>
-              <a:t>):</a:t>
-            </a:r>
-          </a:p>
-          <a:p>
-            <a:pPr marL="0" indent="0">
-              <a:buNone/>
-            </a:pPr>
-            <a:r>
-              <a:rPr lang="en" altLang="ko-KR" b="0" dirty="0">
-                <a:solidFill>
-                  <a:srgbClr val="569CD6"/>
-                </a:solidFill>
-                <a:effectLst/>
-                <a:latin typeface="Menlo" panose="020B0609030804020204" pitchFamily="49" charset="0"/>
-              </a:rPr>
-              <a:t>	global</a:t>
-            </a:r>
-            <a:r>
-              <a:rPr lang="en" altLang="ko-KR" b="0" dirty="0">
-                <a:solidFill>
-                  <a:srgbClr val="D4D4D4"/>
-                </a:solidFill>
-                <a:effectLst/>
-                <a:latin typeface="Menlo" panose="020B0609030804020204" pitchFamily="49" charset="0"/>
-              </a:rPr>
-              <a:t> </a:t>
-            </a:r>
-            <a:r>
-              <a:rPr lang="en" altLang="ko-KR" b="0" dirty="0" err="1">
-                <a:solidFill>
-                  <a:srgbClr val="9CDCFE"/>
-                </a:solidFill>
-                <a:effectLst/>
-                <a:latin typeface="Menlo" panose="020B0609030804020204" pitchFamily="49" charset="0"/>
-              </a:rPr>
-              <a:t>num_list</a:t>
-            </a:r>
-            <a:r>
-              <a:rPr lang="en" altLang="ko-KR" b="0" dirty="0">
-                <a:solidFill>
-                  <a:srgbClr val="D4D4D4"/>
-                </a:solidFill>
-                <a:effectLst/>
-                <a:latin typeface="Menlo" panose="020B0609030804020204" pitchFamily="49" charset="0"/>
-              </a:rPr>
-              <a:t>, </a:t>
-            </a:r>
-            <a:r>
-              <a:rPr lang="en" altLang="ko-KR" b="0" dirty="0" err="1">
-                <a:solidFill>
-                  <a:srgbClr val="9CDCFE"/>
-                </a:solidFill>
-                <a:effectLst/>
-                <a:latin typeface="Menlo" panose="020B0609030804020204" pitchFamily="49" charset="0"/>
-              </a:rPr>
-              <a:t>bool_num_list</a:t>
-            </a:r>
-            <a:endParaRPr lang="en" altLang="ko-KR" b="0" dirty="0">
-              <a:solidFill>
-                <a:srgbClr val="D4D4D4"/>
-              </a:solidFill>
-              <a:effectLst/>
-              <a:latin typeface="Menlo" panose="020B0609030804020204" pitchFamily="49" charset="0"/>
-            </a:endParaRPr>
-          </a:p>
-          <a:p>
-            <a:pPr marL="0" indent="0">
-              <a:buNone/>
-            </a:pPr>
-            <a:r>
-              <a:rPr lang="en" altLang="ko-KR" b="0" dirty="0">
-                <a:solidFill>
-                  <a:srgbClr val="C586C0"/>
-                </a:solidFill>
-                <a:effectLst/>
-                <a:latin typeface="Menlo" panose="020B0609030804020204" pitchFamily="49" charset="0"/>
-              </a:rPr>
-              <a:t>	if</a:t>
-            </a:r>
-            <a:r>
-              <a:rPr lang="en" altLang="ko-KR" b="0" dirty="0">
-                <a:solidFill>
-                  <a:srgbClr val="D4D4D4"/>
-                </a:solidFill>
-                <a:effectLst/>
-                <a:latin typeface="Menlo" panose="020B0609030804020204" pitchFamily="49" charset="0"/>
-              </a:rPr>
-              <a:t> </a:t>
-            </a:r>
-            <a:r>
-              <a:rPr lang="en" altLang="ko-KR" b="0" dirty="0">
-                <a:solidFill>
-                  <a:srgbClr val="9CDCFE"/>
-                </a:solidFill>
-                <a:effectLst/>
-                <a:latin typeface="Menlo" panose="020B0609030804020204" pitchFamily="49" charset="0"/>
-              </a:rPr>
-              <a:t>m</a:t>
-            </a:r>
-            <a:r>
-              <a:rPr lang="en" altLang="ko-KR" b="0" dirty="0">
-                <a:solidFill>
-                  <a:srgbClr val="D4D4D4"/>
-                </a:solidFill>
-                <a:effectLst/>
-                <a:latin typeface="Menlo" panose="020B0609030804020204" pitchFamily="49" charset="0"/>
-              </a:rPr>
-              <a:t> == </a:t>
-            </a:r>
-            <a:r>
-              <a:rPr lang="en" altLang="ko-KR" b="0" dirty="0">
-                <a:solidFill>
-                  <a:srgbClr val="4FC1FF"/>
-                </a:solidFill>
-                <a:effectLst/>
-                <a:latin typeface="Menlo" panose="020B0609030804020204" pitchFamily="49" charset="0"/>
-              </a:rPr>
-              <a:t>M</a:t>
-            </a:r>
-            <a:r>
-              <a:rPr lang="en" altLang="ko-KR" b="0" dirty="0">
-                <a:solidFill>
-                  <a:srgbClr val="D4D4D4"/>
-                </a:solidFill>
-                <a:effectLst/>
-                <a:latin typeface="Menlo" panose="020B0609030804020204" pitchFamily="49" charset="0"/>
-              </a:rPr>
-              <a:t>:</a:t>
-            </a:r>
-          </a:p>
-          <a:p>
-            <a:pPr marL="0" indent="0">
-              <a:buNone/>
-            </a:pPr>
-            <a:r>
-              <a:rPr lang="en" altLang="ko-KR" b="0" dirty="0">
-                <a:solidFill>
-                  <a:srgbClr val="C586C0"/>
-                </a:solidFill>
-                <a:effectLst/>
-                <a:latin typeface="Menlo" panose="020B0609030804020204" pitchFamily="49" charset="0"/>
-              </a:rPr>
-              <a:t>		for</a:t>
-            </a:r>
-            <a:r>
-              <a:rPr lang="en" altLang="ko-KR" b="0" dirty="0">
-                <a:solidFill>
-                  <a:srgbClr val="D4D4D4"/>
-                </a:solidFill>
-                <a:effectLst/>
-                <a:latin typeface="Menlo" panose="020B0609030804020204" pitchFamily="49" charset="0"/>
-              </a:rPr>
-              <a:t> </a:t>
-            </a:r>
-            <a:r>
-              <a:rPr lang="en" altLang="ko-KR" b="0" dirty="0">
-                <a:solidFill>
-                  <a:srgbClr val="9CDCFE"/>
-                </a:solidFill>
-                <a:effectLst/>
-                <a:latin typeface="Menlo" panose="020B0609030804020204" pitchFamily="49" charset="0"/>
-              </a:rPr>
-              <a:t>num</a:t>
-            </a:r>
-            <a:r>
-              <a:rPr lang="en" altLang="ko-KR" b="0" dirty="0">
-                <a:solidFill>
-                  <a:srgbClr val="D4D4D4"/>
-                </a:solidFill>
-                <a:effectLst/>
-                <a:latin typeface="Menlo" panose="020B0609030804020204" pitchFamily="49" charset="0"/>
-              </a:rPr>
-              <a:t> </a:t>
-            </a:r>
-            <a:r>
-              <a:rPr lang="en" altLang="ko-KR" b="0" dirty="0">
-                <a:solidFill>
-                  <a:srgbClr val="C586C0"/>
-                </a:solidFill>
-                <a:effectLst/>
-                <a:latin typeface="Menlo" panose="020B0609030804020204" pitchFamily="49" charset="0"/>
-              </a:rPr>
-              <a:t>in</a:t>
-            </a:r>
-            <a:r>
-              <a:rPr lang="en" altLang="ko-KR" b="0" dirty="0">
-                <a:solidFill>
-                  <a:srgbClr val="D4D4D4"/>
-                </a:solidFill>
-                <a:effectLst/>
-                <a:latin typeface="Menlo" panose="020B0609030804020204" pitchFamily="49" charset="0"/>
-              </a:rPr>
-              <a:t> </a:t>
-            </a:r>
-            <a:r>
-              <a:rPr lang="en" altLang="ko-KR" b="0" dirty="0" err="1">
-                <a:solidFill>
-                  <a:srgbClr val="9CDCFE"/>
-                </a:solidFill>
-                <a:effectLst/>
-                <a:latin typeface="Menlo" panose="020B0609030804020204" pitchFamily="49" charset="0"/>
-              </a:rPr>
-              <a:t>num_list</a:t>
-            </a:r>
-            <a:r>
-              <a:rPr lang="en" altLang="ko-KR" b="0" dirty="0">
-                <a:solidFill>
-                  <a:srgbClr val="D4D4D4"/>
-                </a:solidFill>
-                <a:effectLst/>
-                <a:latin typeface="Menlo" panose="020B0609030804020204" pitchFamily="49" charset="0"/>
-              </a:rPr>
-              <a:t>:</a:t>
-            </a:r>
-          </a:p>
-          <a:p>
-            <a:pPr marL="0" indent="0">
-              <a:buNone/>
-            </a:pPr>
-            <a:r>
-              <a:rPr lang="en" altLang="ko-KR" b="0" dirty="0">
-                <a:solidFill>
-                  <a:srgbClr val="9CDCFE"/>
-                </a:solidFill>
-                <a:effectLst/>
-                <a:latin typeface="Menlo" panose="020B0609030804020204" pitchFamily="49" charset="0"/>
-              </a:rPr>
-              <a:t>		</a:t>
-            </a:r>
-            <a:r>
-              <a:rPr lang="en" altLang="ko-KR" b="0" dirty="0" err="1">
-                <a:solidFill>
-                  <a:srgbClr val="9CDCFE"/>
-                </a:solidFill>
-                <a:effectLst/>
-                <a:latin typeface="Menlo" panose="020B0609030804020204" pitchFamily="49" charset="0"/>
-              </a:rPr>
-              <a:t>stdout</a:t>
-            </a:r>
-            <a:r>
-              <a:rPr lang="en" altLang="ko-KR" b="0" dirty="0" err="1">
-                <a:solidFill>
-                  <a:srgbClr val="D4D4D4"/>
-                </a:solidFill>
-                <a:effectLst/>
-                <a:latin typeface="Menlo" panose="020B0609030804020204" pitchFamily="49" charset="0"/>
-              </a:rPr>
-              <a:t>.</a:t>
-            </a:r>
-            <a:r>
-              <a:rPr lang="en" altLang="ko-KR" b="0" dirty="0" err="1">
-                <a:solidFill>
-                  <a:srgbClr val="DCDCAA"/>
-                </a:solidFill>
-                <a:effectLst/>
-                <a:latin typeface="Menlo" panose="020B0609030804020204" pitchFamily="49" charset="0"/>
-              </a:rPr>
-              <a:t>write</a:t>
-            </a:r>
-            <a:r>
-              <a:rPr lang="en" altLang="ko-KR" b="0" dirty="0">
-                <a:solidFill>
-                  <a:srgbClr val="D4D4D4"/>
-                </a:solidFill>
-                <a:effectLst/>
-                <a:latin typeface="Menlo" panose="020B0609030804020204" pitchFamily="49" charset="0"/>
-              </a:rPr>
-              <a:t>(</a:t>
-            </a:r>
-            <a:r>
-              <a:rPr lang="en" altLang="ko-KR" b="0" dirty="0">
-                <a:solidFill>
-                  <a:srgbClr val="4EC9B0"/>
-                </a:solidFill>
-                <a:effectLst/>
-                <a:latin typeface="Menlo" panose="020B0609030804020204" pitchFamily="49" charset="0"/>
-              </a:rPr>
-              <a:t>str</a:t>
-            </a:r>
-            <a:r>
-              <a:rPr lang="en" altLang="ko-KR" b="0" dirty="0">
-                <a:solidFill>
-                  <a:srgbClr val="D4D4D4"/>
-                </a:solidFill>
-                <a:effectLst/>
-                <a:latin typeface="Menlo" panose="020B0609030804020204" pitchFamily="49" charset="0"/>
-              </a:rPr>
-              <a:t>(</a:t>
-            </a:r>
-            <a:r>
-              <a:rPr lang="en" altLang="ko-KR" b="0" dirty="0">
-                <a:solidFill>
-                  <a:srgbClr val="9CDCFE"/>
-                </a:solidFill>
-                <a:effectLst/>
-                <a:latin typeface="Menlo" panose="020B0609030804020204" pitchFamily="49" charset="0"/>
-              </a:rPr>
-              <a:t>num</a:t>
-            </a:r>
-            <a:r>
-              <a:rPr lang="en" altLang="ko-KR" b="0" dirty="0">
-                <a:solidFill>
-                  <a:srgbClr val="D4D4D4"/>
-                </a:solidFill>
-                <a:effectLst/>
-                <a:latin typeface="Menlo" panose="020B0609030804020204" pitchFamily="49" charset="0"/>
-              </a:rPr>
-              <a:t>) + </a:t>
-            </a:r>
-            <a:r>
-              <a:rPr lang="en" altLang="ko-KR" b="0" dirty="0">
-                <a:solidFill>
-                  <a:srgbClr val="CE9178"/>
-                </a:solidFill>
-                <a:effectLst/>
-                <a:latin typeface="Menlo" panose="020B0609030804020204" pitchFamily="49" charset="0"/>
-              </a:rPr>
-              <a:t>" "</a:t>
-            </a:r>
-            <a:r>
-              <a:rPr lang="en" altLang="ko-KR" b="0" dirty="0">
-                <a:solidFill>
-                  <a:srgbClr val="D4D4D4"/>
-                </a:solidFill>
-                <a:effectLst/>
-                <a:latin typeface="Menlo" panose="020B0609030804020204" pitchFamily="49" charset="0"/>
-              </a:rPr>
-              <a:t>)</a:t>
-            </a:r>
-          </a:p>
-          <a:p>
-            <a:pPr marL="0" indent="0">
-              <a:buNone/>
-            </a:pPr>
-            <a:r>
-              <a:rPr lang="en" altLang="ko-KR" b="0" dirty="0">
-                <a:solidFill>
-                  <a:srgbClr val="9CDCFE"/>
-                </a:solidFill>
-                <a:effectLst/>
-                <a:latin typeface="Menlo" panose="020B0609030804020204" pitchFamily="49" charset="0"/>
-              </a:rPr>
-              <a:t>		</a:t>
-            </a:r>
-            <a:r>
-              <a:rPr lang="en" altLang="ko-KR" b="0" dirty="0" err="1">
-                <a:solidFill>
-                  <a:srgbClr val="9CDCFE"/>
-                </a:solidFill>
-                <a:effectLst/>
-                <a:latin typeface="Menlo" panose="020B0609030804020204" pitchFamily="49" charset="0"/>
-              </a:rPr>
-              <a:t>stdout</a:t>
-            </a:r>
-            <a:r>
-              <a:rPr lang="en" altLang="ko-KR" b="0" dirty="0" err="1">
-                <a:solidFill>
-                  <a:srgbClr val="D4D4D4"/>
-                </a:solidFill>
-                <a:effectLst/>
-                <a:latin typeface="Menlo" panose="020B0609030804020204" pitchFamily="49" charset="0"/>
-              </a:rPr>
-              <a:t>.</a:t>
-            </a:r>
-            <a:r>
-              <a:rPr lang="en" altLang="ko-KR" b="0" dirty="0" err="1">
-                <a:solidFill>
-                  <a:srgbClr val="DCDCAA"/>
-                </a:solidFill>
-                <a:effectLst/>
-                <a:latin typeface="Menlo" panose="020B0609030804020204" pitchFamily="49" charset="0"/>
-              </a:rPr>
-              <a:t>write</a:t>
-            </a:r>
-            <a:r>
-              <a:rPr lang="en" altLang="ko-KR" b="0" dirty="0">
-                <a:solidFill>
-                  <a:srgbClr val="D4D4D4"/>
-                </a:solidFill>
-                <a:effectLst/>
-                <a:latin typeface="Menlo" panose="020B0609030804020204" pitchFamily="49" charset="0"/>
-              </a:rPr>
-              <a:t>(</a:t>
-            </a:r>
-            <a:r>
-              <a:rPr lang="en" altLang="ko-KR" b="0" dirty="0">
-                <a:solidFill>
-                  <a:srgbClr val="CE9178"/>
-                </a:solidFill>
-                <a:effectLst/>
-                <a:latin typeface="Menlo" panose="020B0609030804020204" pitchFamily="49" charset="0"/>
-              </a:rPr>
-              <a:t>'</a:t>
-            </a:r>
-            <a:r>
-              <a:rPr lang="en" altLang="ko-KR" b="0" dirty="0">
-                <a:solidFill>
-                  <a:srgbClr val="D7BA7D"/>
-                </a:solidFill>
-                <a:effectLst/>
-                <a:latin typeface="Menlo" panose="020B0609030804020204" pitchFamily="49" charset="0"/>
-              </a:rPr>
-              <a:t>\n</a:t>
-            </a:r>
-            <a:r>
-              <a:rPr lang="en" altLang="ko-KR" b="0" dirty="0">
-                <a:solidFill>
-                  <a:srgbClr val="CE9178"/>
-                </a:solidFill>
-                <a:effectLst/>
-                <a:latin typeface="Menlo" panose="020B0609030804020204" pitchFamily="49" charset="0"/>
-              </a:rPr>
-              <a:t>’</a:t>
-            </a:r>
-            <a:r>
-              <a:rPr lang="en" altLang="ko-KR" b="0" dirty="0">
-                <a:solidFill>
-                  <a:srgbClr val="D4D4D4"/>
-                </a:solidFill>
-                <a:effectLst/>
-                <a:latin typeface="Menlo" panose="020B0609030804020204" pitchFamily="49" charset="0"/>
-              </a:rPr>
-              <a:t>)</a:t>
-            </a:r>
-          </a:p>
-          <a:p>
-            <a:pPr marL="0" indent="0">
-              <a:buNone/>
-            </a:pPr>
-            <a:r>
-              <a:rPr lang="en" altLang="ko-KR" b="0" dirty="0">
-                <a:solidFill>
-                  <a:srgbClr val="C586C0"/>
-                </a:solidFill>
-                <a:effectLst/>
-                <a:latin typeface="Menlo" panose="020B0609030804020204" pitchFamily="49" charset="0"/>
-              </a:rPr>
-              <a:t>		return</a:t>
-            </a:r>
-          </a:p>
-          <a:p>
-            <a:pPr marL="0" indent="0">
-              <a:buNone/>
-            </a:pPr>
-            <a:endParaRPr lang="en" altLang="ko-KR" b="0" dirty="0">
-              <a:solidFill>
-                <a:srgbClr val="D4D4D4"/>
-              </a:solidFill>
-              <a:effectLst/>
-              <a:latin typeface="Menlo" panose="020B0609030804020204" pitchFamily="49" charset="0"/>
-            </a:endParaRPr>
-          </a:p>
-          <a:p>
-            <a:pPr marL="0" indent="0">
-              <a:buNone/>
-            </a:pPr>
-            <a:r>
-              <a:rPr lang="en" altLang="ko-KR" b="0" dirty="0">
-                <a:solidFill>
-                  <a:srgbClr val="C586C0"/>
-                </a:solidFill>
-                <a:effectLst/>
-                <a:latin typeface="Menlo" panose="020B0609030804020204" pitchFamily="49" charset="0"/>
-              </a:rPr>
-              <a:t>	for</a:t>
-            </a:r>
-            <a:r>
-              <a:rPr lang="en" altLang="ko-KR" b="0" dirty="0">
-                <a:solidFill>
-                  <a:srgbClr val="D4D4D4"/>
-                </a:solidFill>
-                <a:effectLst/>
-                <a:latin typeface="Menlo" panose="020B0609030804020204" pitchFamily="49" charset="0"/>
-              </a:rPr>
-              <a:t> </a:t>
-            </a:r>
-            <a:r>
-              <a:rPr lang="en" altLang="ko-KR" b="0" dirty="0">
-                <a:solidFill>
-                  <a:srgbClr val="9CDCFE"/>
-                </a:solidFill>
-                <a:effectLst/>
-                <a:latin typeface="Menlo" panose="020B0609030804020204" pitchFamily="49" charset="0"/>
-              </a:rPr>
-              <a:t>num</a:t>
-            </a:r>
-            <a:r>
-              <a:rPr lang="en" altLang="ko-KR" b="0" dirty="0">
-                <a:solidFill>
-                  <a:srgbClr val="D4D4D4"/>
-                </a:solidFill>
-                <a:effectLst/>
-                <a:latin typeface="Menlo" panose="020B0609030804020204" pitchFamily="49" charset="0"/>
-              </a:rPr>
-              <a:t> </a:t>
-            </a:r>
-            <a:r>
-              <a:rPr lang="en" altLang="ko-KR" b="0" dirty="0">
-                <a:solidFill>
-                  <a:srgbClr val="C586C0"/>
-                </a:solidFill>
-                <a:effectLst/>
-                <a:latin typeface="Menlo" panose="020B0609030804020204" pitchFamily="49" charset="0"/>
-              </a:rPr>
-              <a:t>in</a:t>
-            </a:r>
-            <a:r>
-              <a:rPr lang="en" altLang="ko-KR" b="0" dirty="0">
-                <a:solidFill>
-                  <a:srgbClr val="D4D4D4"/>
-                </a:solidFill>
-                <a:effectLst/>
-                <a:latin typeface="Menlo" panose="020B0609030804020204" pitchFamily="49" charset="0"/>
-              </a:rPr>
-              <a:t> </a:t>
-            </a:r>
-            <a:r>
-              <a:rPr lang="en" altLang="ko-KR" b="0" dirty="0">
-                <a:solidFill>
-                  <a:srgbClr val="4EC9B0"/>
-                </a:solidFill>
-                <a:effectLst/>
-                <a:latin typeface="Menlo" panose="020B0609030804020204" pitchFamily="49" charset="0"/>
-              </a:rPr>
-              <a:t>range</a:t>
-            </a:r>
-            <a:r>
-              <a:rPr lang="en" altLang="ko-KR" b="0" dirty="0">
-                <a:solidFill>
-                  <a:srgbClr val="D4D4D4"/>
-                </a:solidFill>
-                <a:effectLst/>
-                <a:latin typeface="Menlo" panose="020B0609030804020204" pitchFamily="49" charset="0"/>
-              </a:rPr>
-              <a:t>(</a:t>
-            </a:r>
-            <a:r>
-              <a:rPr lang="en" altLang="ko-KR" b="0" dirty="0">
-                <a:solidFill>
-                  <a:srgbClr val="B5CEA8"/>
-                </a:solidFill>
-                <a:effectLst/>
-                <a:latin typeface="Menlo" panose="020B0609030804020204" pitchFamily="49" charset="0"/>
-              </a:rPr>
-              <a:t>1</a:t>
-            </a:r>
-            <a:r>
-              <a:rPr lang="en" altLang="ko-KR" b="0" dirty="0">
-                <a:solidFill>
-                  <a:srgbClr val="D4D4D4"/>
-                </a:solidFill>
-                <a:effectLst/>
-                <a:latin typeface="Menlo" panose="020B0609030804020204" pitchFamily="49" charset="0"/>
-              </a:rPr>
-              <a:t>, </a:t>
-            </a:r>
-            <a:r>
-              <a:rPr lang="en" altLang="ko-KR" b="0" dirty="0">
-                <a:solidFill>
-                  <a:srgbClr val="4FC1FF"/>
-                </a:solidFill>
-                <a:effectLst/>
-                <a:latin typeface="Menlo" panose="020B0609030804020204" pitchFamily="49" charset="0"/>
-              </a:rPr>
-              <a:t>N</a:t>
-            </a:r>
-            <a:r>
-              <a:rPr lang="en" altLang="ko-KR" b="0" dirty="0">
-                <a:solidFill>
-                  <a:srgbClr val="D4D4D4"/>
-                </a:solidFill>
-                <a:effectLst/>
-                <a:latin typeface="Menlo" panose="020B0609030804020204" pitchFamily="49" charset="0"/>
-              </a:rPr>
-              <a:t> + </a:t>
-            </a:r>
-            <a:r>
-              <a:rPr lang="en" altLang="ko-KR" b="0" dirty="0">
-                <a:solidFill>
-                  <a:srgbClr val="B5CEA8"/>
-                </a:solidFill>
-                <a:effectLst/>
-                <a:latin typeface="Menlo" panose="020B0609030804020204" pitchFamily="49" charset="0"/>
-              </a:rPr>
-              <a:t>1</a:t>
-            </a:r>
-            <a:r>
-              <a:rPr lang="en" altLang="ko-KR" b="0" dirty="0">
-                <a:solidFill>
-                  <a:srgbClr val="D4D4D4"/>
-                </a:solidFill>
-                <a:effectLst/>
-                <a:latin typeface="Menlo" panose="020B0609030804020204" pitchFamily="49" charset="0"/>
-              </a:rPr>
-              <a:t>):</a:t>
-            </a:r>
-          </a:p>
-          <a:p>
-            <a:pPr marL="0" indent="0">
-              <a:buNone/>
-            </a:pPr>
-            <a:r>
-              <a:rPr lang="en" altLang="ko-KR" b="0" dirty="0">
-                <a:solidFill>
-                  <a:srgbClr val="C586C0"/>
-                </a:solidFill>
-                <a:effectLst/>
-                <a:latin typeface="Menlo" panose="020B0609030804020204" pitchFamily="49" charset="0"/>
-              </a:rPr>
-              <a:t>		if</a:t>
-            </a:r>
-            <a:r>
-              <a:rPr lang="en" altLang="ko-KR" b="0" dirty="0">
-                <a:solidFill>
-                  <a:srgbClr val="D4D4D4"/>
-                </a:solidFill>
-                <a:effectLst/>
-                <a:latin typeface="Menlo" panose="020B0609030804020204" pitchFamily="49" charset="0"/>
-              </a:rPr>
-              <a:t> </a:t>
-            </a:r>
-            <a:r>
-              <a:rPr lang="en" altLang="ko-KR" b="0" dirty="0" err="1">
-                <a:solidFill>
-                  <a:srgbClr val="9CDCFE"/>
-                </a:solidFill>
-                <a:effectLst/>
-                <a:latin typeface="Menlo" panose="020B0609030804020204" pitchFamily="49" charset="0"/>
-              </a:rPr>
-              <a:t>bool_num_list</a:t>
-            </a:r>
-            <a:r>
-              <a:rPr lang="en" altLang="ko-KR" b="0" dirty="0">
-                <a:solidFill>
-                  <a:srgbClr val="D4D4D4"/>
-                </a:solidFill>
-                <a:effectLst/>
-                <a:latin typeface="Menlo" panose="020B0609030804020204" pitchFamily="49" charset="0"/>
-              </a:rPr>
-              <a:t>[</a:t>
-            </a:r>
-            <a:r>
-              <a:rPr lang="en" altLang="ko-KR" b="0" dirty="0">
-                <a:solidFill>
-                  <a:srgbClr val="9CDCFE"/>
-                </a:solidFill>
-                <a:effectLst/>
-                <a:latin typeface="Menlo" panose="020B0609030804020204" pitchFamily="49" charset="0"/>
-              </a:rPr>
-              <a:t>num</a:t>
-            </a:r>
-            <a:r>
-              <a:rPr lang="en" altLang="ko-KR" b="0" dirty="0">
-                <a:solidFill>
-                  <a:srgbClr val="D4D4D4"/>
-                </a:solidFill>
-                <a:effectLst/>
-                <a:latin typeface="Menlo" panose="020B0609030804020204" pitchFamily="49" charset="0"/>
-              </a:rPr>
-              <a:t> - </a:t>
-            </a:r>
-            <a:r>
-              <a:rPr lang="en" altLang="ko-KR" b="0" dirty="0">
-                <a:solidFill>
-                  <a:srgbClr val="B5CEA8"/>
-                </a:solidFill>
-                <a:effectLst/>
-                <a:latin typeface="Menlo" panose="020B0609030804020204" pitchFamily="49" charset="0"/>
-              </a:rPr>
-              <a:t>1</a:t>
-            </a:r>
-            <a:r>
-              <a:rPr lang="en" altLang="ko-KR" b="0" dirty="0">
-                <a:solidFill>
-                  <a:srgbClr val="D4D4D4"/>
-                </a:solidFill>
-                <a:effectLst/>
-                <a:latin typeface="Menlo" panose="020B0609030804020204" pitchFamily="49" charset="0"/>
-              </a:rPr>
-              <a:t>] == </a:t>
-            </a:r>
-            <a:r>
-              <a:rPr lang="en" altLang="ko-KR" b="0" dirty="0">
-                <a:solidFill>
-                  <a:srgbClr val="569CD6"/>
-                </a:solidFill>
-                <a:effectLst/>
-                <a:latin typeface="Menlo" panose="020B0609030804020204" pitchFamily="49" charset="0"/>
-              </a:rPr>
-              <a:t>False</a:t>
-            </a:r>
-            <a:r>
-              <a:rPr lang="en" altLang="ko-KR" b="0" dirty="0">
-                <a:solidFill>
-                  <a:srgbClr val="D4D4D4"/>
-                </a:solidFill>
-                <a:effectLst/>
-                <a:latin typeface="Menlo" panose="020B0609030804020204" pitchFamily="49" charset="0"/>
-              </a:rPr>
-              <a:t>:</a:t>
-            </a:r>
-          </a:p>
-          <a:p>
-            <a:pPr marL="0" indent="0">
-              <a:buNone/>
-            </a:pPr>
-            <a:r>
-              <a:rPr lang="en" altLang="ko-KR" b="0" dirty="0">
-                <a:solidFill>
-                  <a:srgbClr val="9CDCFE"/>
-                </a:solidFill>
-                <a:effectLst/>
-                <a:latin typeface="Menlo" panose="020B0609030804020204" pitchFamily="49" charset="0"/>
-              </a:rPr>
-              <a:t>			</a:t>
-            </a:r>
-            <a:r>
-              <a:rPr lang="en" altLang="ko-KR" b="0" dirty="0" err="1">
-                <a:solidFill>
-                  <a:srgbClr val="9CDCFE"/>
-                </a:solidFill>
-                <a:effectLst/>
-                <a:latin typeface="Menlo" panose="020B0609030804020204" pitchFamily="49" charset="0"/>
-              </a:rPr>
-              <a:t>num_list</a:t>
-            </a:r>
-            <a:r>
-              <a:rPr lang="en" altLang="ko-KR" b="0" dirty="0" err="1">
-                <a:solidFill>
-                  <a:srgbClr val="D4D4D4"/>
-                </a:solidFill>
-                <a:effectLst/>
-                <a:latin typeface="Menlo" panose="020B0609030804020204" pitchFamily="49" charset="0"/>
-              </a:rPr>
-              <a:t>.</a:t>
-            </a:r>
-            <a:r>
-              <a:rPr lang="en" altLang="ko-KR" b="0" dirty="0" err="1">
-                <a:solidFill>
-                  <a:srgbClr val="DCDCAA"/>
-                </a:solidFill>
-                <a:effectLst/>
-                <a:latin typeface="Menlo" panose="020B0609030804020204" pitchFamily="49" charset="0"/>
-              </a:rPr>
-              <a:t>append</a:t>
-            </a:r>
-            <a:r>
-              <a:rPr lang="en" altLang="ko-KR" b="0" dirty="0">
-                <a:solidFill>
-                  <a:srgbClr val="D4D4D4"/>
-                </a:solidFill>
-                <a:effectLst/>
-                <a:latin typeface="Menlo" panose="020B0609030804020204" pitchFamily="49" charset="0"/>
-              </a:rPr>
-              <a:t>(</a:t>
-            </a:r>
-            <a:r>
-              <a:rPr lang="en" altLang="ko-KR" b="0" dirty="0">
-                <a:solidFill>
-                  <a:srgbClr val="9CDCFE"/>
-                </a:solidFill>
-                <a:effectLst/>
-                <a:latin typeface="Menlo" panose="020B0609030804020204" pitchFamily="49" charset="0"/>
-              </a:rPr>
-              <a:t>num</a:t>
-            </a:r>
-            <a:r>
-              <a:rPr lang="en" altLang="ko-KR" b="0" dirty="0">
-                <a:solidFill>
-                  <a:srgbClr val="D4D4D4"/>
-                </a:solidFill>
-                <a:effectLst/>
-                <a:latin typeface="Menlo" panose="020B0609030804020204" pitchFamily="49" charset="0"/>
-              </a:rPr>
-              <a:t>)</a:t>
-            </a:r>
-          </a:p>
-          <a:p>
-            <a:pPr marL="0" indent="0">
-              <a:buNone/>
-            </a:pPr>
-            <a:r>
-              <a:rPr lang="en" altLang="ko-KR" b="0" dirty="0">
-                <a:solidFill>
-                  <a:srgbClr val="9CDCFE"/>
-                </a:solidFill>
-                <a:effectLst/>
-                <a:latin typeface="Menlo" panose="020B0609030804020204" pitchFamily="49" charset="0"/>
-              </a:rPr>
-              <a:t>			</a:t>
-            </a:r>
-            <a:r>
-              <a:rPr lang="en" altLang="ko-KR" b="0" dirty="0" err="1">
-                <a:solidFill>
-                  <a:srgbClr val="9CDCFE"/>
-                </a:solidFill>
-                <a:effectLst/>
-                <a:latin typeface="Menlo" panose="020B0609030804020204" pitchFamily="49" charset="0"/>
-              </a:rPr>
-              <a:t>bool_num_list</a:t>
-            </a:r>
-            <a:r>
-              <a:rPr lang="en" altLang="ko-KR" b="0" dirty="0">
-                <a:solidFill>
-                  <a:srgbClr val="D4D4D4"/>
-                </a:solidFill>
-                <a:effectLst/>
-                <a:latin typeface="Menlo" panose="020B0609030804020204" pitchFamily="49" charset="0"/>
-              </a:rPr>
-              <a:t>[</a:t>
-            </a:r>
-            <a:r>
-              <a:rPr lang="en" altLang="ko-KR" b="0" dirty="0">
-                <a:solidFill>
-                  <a:srgbClr val="9CDCFE"/>
-                </a:solidFill>
-                <a:effectLst/>
-                <a:latin typeface="Menlo" panose="020B0609030804020204" pitchFamily="49" charset="0"/>
-              </a:rPr>
-              <a:t>num</a:t>
-            </a:r>
-            <a:r>
-              <a:rPr lang="en" altLang="ko-KR" b="0" dirty="0">
-                <a:solidFill>
-                  <a:srgbClr val="D4D4D4"/>
-                </a:solidFill>
-                <a:effectLst/>
-                <a:latin typeface="Menlo" panose="020B0609030804020204" pitchFamily="49" charset="0"/>
-              </a:rPr>
-              <a:t> - </a:t>
-            </a:r>
-            <a:r>
-              <a:rPr lang="en" altLang="ko-KR" b="0" dirty="0">
-                <a:solidFill>
-                  <a:srgbClr val="B5CEA8"/>
-                </a:solidFill>
-                <a:effectLst/>
-                <a:latin typeface="Menlo" panose="020B0609030804020204" pitchFamily="49" charset="0"/>
-              </a:rPr>
-              <a:t>1</a:t>
-            </a:r>
-            <a:r>
-              <a:rPr lang="en" altLang="ko-KR" b="0" dirty="0">
-                <a:solidFill>
-                  <a:srgbClr val="D4D4D4"/>
-                </a:solidFill>
-                <a:effectLst/>
-                <a:latin typeface="Menlo" panose="020B0609030804020204" pitchFamily="49" charset="0"/>
-              </a:rPr>
-              <a:t>] = </a:t>
-            </a:r>
-            <a:r>
-              <a:rPr lang="en" altLang="ko-KR" b="0" dirty="0">
-                <a:solidFill>
-                  <a:srgbClr val="569CD6"/>
-                </a:solidFill>
-                <a:effectLst/>
-                <a:latin typeface="Menlo" panose="020B0609030804020204" pitchFamily="49" charset="0"/>
-              </a:rPr>
-              <a:t>True</a:t>
-            </a:r>
-            <a:endParaRPr lang="en" altLang="ko-KR" b="0" dirty="0">
-              <a:solidFill>
-                <a:srgbClr val="D4D4D4"/>
-              </a:solidFill>
-              <a:effectLst/>
-              <a:latin typeface="Menlo" panose="020B0609030804020204" pitchFamily="49" charset="0"/>
-            </a:endParaRPr>
-          </a:p>
-          <a:p>
-            <a:pPr marL="0" indent="0">
-              <a:buNone/>
-            </a:pPr>
-            <a:r>
-              <a:rPr lang="en" altLang="ko-KR" b="0" dirty="0">
-                <a:solidFill>
-                  <a:srgbClr val="DCDCAA"/>
-                </a:solidFill>
-                <a:effectLst/>
-                <a:latin typeface="Menlo" panose="020B0609030804020204" pitchFamily="49" charset="0"/>
-              </a:rPr>
-              <a:t>			solve</a:t>
-            </a:r>
-            <a:r>
-              <a:rPr lang="en" altLang="ko-KR" b="0" dirty="0">
-                <a:solidFill>
-                  <a:srgbClr val="D4D4D4"/>
-                </a:solidFill>
-                <a:effectLst/>
-                <a:latin typeface="Menlo" panose="020B0609030804020204" pitchFamily="49" charset="0"/>
-              </a:rPr>
-              <a:t>(</a:t>
-            </a:r>
-            <a:r>
-              <a:rPr lang="en" altLang="ko-KR" b="0" dirty="0">
-                <a:solidFill>
-                  <a:srgbClr val="9CDCFE"/>
-                </a:solidFill>
-                <a:effectLst/>
-                <a:latin typeface="Menlo" panose="020B0609030804020204" pitchFamily="49" charset="0"/>
-              </a:rPr>
-              <a:t>m</a:t>
-            </a:r>
-            <a:r>
-              <a:rPr lang="en" altLang="ko-KR" b="0" dirty="0">
-                <a:solidFill>
-                  <a:srgbClr val="D4D4D4"/>
-                </a:solidFill>
-                <a:effectLst/>
-                <a:latin typeface="Menlo" panose="020B0609030804020204" pitchFamily="49" charset="0"/>
-              </a:rPr>
-              <a:t> + </a:t>
-            </a:r>
-            <a:r>
-              <a:rPr lang="en" altLang="ko-KR" b="0" dirty="0">
-                <a:solidFill>
-                  <a:srgbClr val="B5CEA8"/>
-                </a:solidFill>
-                <a:effectLst/>
-                <a:latin typeface="Menlo" panose="020B0609030804020204" pitchFamily="49" charset="0"/>
-              </a:rPr>
-              <a:t>1</a:t>
-            </a:r>
-            <a:r>
-              <a:rPr lang="en" altLang="ko-KR" b="0" dirty="0">
-                <a:solidFill>
-                  <a:srgbClr val="D4D4D4"/>
-                </a:solidFill>
-                <a:effectLst/>
-                <a:latin typeface="Menlo" panose="020B0609030804020204" pitchFamily="49" charset="0"/>
-              </a:rPr>
-              <a:t>)</a:t>
-            </a:r>
-          </a:p>
-          <a:p>
-            <a:pPr marL="0" indent="0">
-              <a:buNone/>
-            </a:pPr>
-            <a:r>
-              <a:rPr lang="en" altLang="ko-KR" b="0" dirty="0">
-                <a:solidFill>
-                  <a:srgbClr val="9CDCFE"/>
-                </a:solidFill>
-                <a:effectLst/>
-                <a:latin typeface="Menlo" panose="020B0609030804020204" pitchFamily="49" charset="0"/>
-              </a:rPr>
-              <a:t>			</a:t>
-            </a:r>
-            <a:r>
-              <a:rPr lang="en" altLang="ko-KR" b="0" dirty="0" err="1">
-                <a:solidFill>
-                  <a:srgbClr val="9CDCFE"/>
-                </a:solidFill>
-                <a:effectLst/>
-                <a:latin typeface="Menlo" panose="020B0609030804020204" pitchFamily="49" charset="0"/>
-              </a:rPr>
-              <a:t>bool_num_list</a:t>
-            </a:r>
-            <a:r>
-              <a:rPr lang="en" altLang="ko-KR" b="0" dirty="0">
-                <a:solidFill>
-                  <a:srgbClr val="D4D4D4"/>
-                </a:solidFill>
-                <a:effectLst/>
-                <a:latin typeface="Menlo" panose="020B0609030804020204" pitchFamily="49" charset="0"/>
-              </a:rPr>
-              <a:t>[</a:t>
-            </a:r>
-            <a:r>
-              <a:rPr lang="en" altLang="ko-KR" b="0" dirty="0" err="1">
-                <a:solidFill>
-                  <a:srgbClr val="9CDCFE"/>
-                </a:solidFill>
-                <a:effectLst/>
-                <a:latin typeface="Menlo" panose="020B0609030804020204" pitchFamily="49" charset="0"/>
-              </a:rPr>
-              <a:t>num_list</a:t>
-            </a:r>
-            <a:r>
-              <a:rPr lang="en" altLang="ko-KR" b="0" dirty="0" err="1">
-                <a:solidFill>
-                  <a:srgbClr val="D4D4D4"/>
-                </a:solidFill>
-                <a:effectLst/>
-                <a:latin typeface="Menlo" panose="020B0609030804020204" pitchFamily="49" charset="0"/>
-              </a:rPr>
-              <a:t>.</a:t>
-            </a:r>
-            <a:r>
-              <a:rPr lang="en" altLang="ko-KR" b="0" dirty="0" err="1">
-                <a:solidFill>
-                  <a:srgbClr val="DCDCAA"/>
-                </a:solidFill>
-                <a:effectLst/>
-                <a:latin typeface="Menlo" panose="020B0609030804020204" pitchFamily="49" charset="0"/>
-              </a:rPr>
-              <a:t>pop</a:t>
-            </a:r>
-            <a:r>
-              <a:rPr lang="en" altLang="ko-KR" b="0" dirty="0">
-                <a:solidFill>
-                  <a:srgbClr val="D4D4D4"/>
-                </a:solidFill>
-                <a:effectLst/>
-                <a:latin typeface="Menlo" panose="020B0609030804020204" pitchFamily="49" charset="0"/>
-              </a:rPr>
-              <a:t>() - </a:t>
-            </a:r>
-            <a:r>
-              <a:rPr lang="en" altLang="ko-KR" b="0" dirty="0">
-                <a:solidFill>
-                  <a:srgbClr val="B5CEA8"/>
-                </a:solidFill>
-                <a:effectLst/>
-                <a:latin typeface="Menlo" panose="020B0609030804020204" pitchFamily="49" charset="0"/>
-              </a:rPr>
-              <a:t>1</a:t>
-            </a:r>
-            <a:r>
-              <a:rPr lang="en" altLang="ko-KR" b="0" dirty="0">
-                <a:solidFill>
-                  <a:srgbClr val="D4D4D4"/>
-                </a:solidFill>
-                <a:effectLst/>
-                <a:latin typeface="Menlo" panose="020B0609030804020204" pitchFamily="49" charset="0"/>
-              </a:rPr>
-              <a:t>] = </a:t>
-            </a:r>
-            <a:r>
-              <a:rPr lang="en" altLang="ko-KR" b="0" dirty="0">
-                <a:solidFill>
-                  <a:srgbClr val="569CD6"/>
-                </a:solidFill>
-                <a:effectLst/>
-                <a:latin typeface="Menlo" panose="020B0609030804020204" pitchFamily="49" charset="0"/>
-              </a:rPr>
-              <a:t>False</a:t>
-            </a:r>
-          </a:p>
-          <a:p>
-            <a:pPr marL="0" indent="0">
-              <a:buNone/>
-            </a:pPr>
-            <a:endParaRPr lang="en" altLang="ko-KR" b="0" dirty="0">
-              <a:solidFill>
-                <a:srgbClr val="D4D4D4"/>
-              </a:solidFill>
-              <a:effectLst/>
-              <a:latin typeface="Menlo" panose="020B0609030804020204" pitchFamily="49" charset="0"/>
-            </a:endParaRPr>
-          </a:p>
-          <a:p>
-            <a:pPr marL="0" indent="0">
-              <a:buNone/>
-            </a:pPr>
-            <a:endParaRPr lang="en" altLang="ko-KR" b="0" dirty="0">
-              <a:solidFill>
-                <a:srgbClr val="D4D4D4"/>
-              </a:solidFill>
-              <a:effectLst/>
-              <a:latin typeface="Menlo" panose="020B0609030804020204" pitchFamily="49" charset="0"/>
-            </a:endParaRPr>
-          </a:p>
-          <a:p>
-            <a:pPr marL="0" indent="0">
-              <a:buNone/>
-            </a:pPr>
-            <a:r>
-              <a:rPr lang="en" altLang="ko-KR" b="0" dirty="0">
-                <a:solidFill>
-                  <a:srgbClr val="C586C0"/>
-                </a:solidFill>
-                <a:effectLst/>
-                <a:latin typeface="Menlo" panose="020B0609030804020204" pitchFamily="49" charset="0"/>
-              </a:rPr>
-              <a:t>if</a:t>
-            </a:r>
-            <a:r>
-              <a:rPr lang="en" altLang="ko-KR" b="0" dirty="0">
-                <a:solidFill>
-                  <a:srgbClr val="D4D4D4"/>
-                </a:solidFill>
-                <a:effectLst/>
-                <a:latin typeface="Menlo" panose="020B0609030804020204" pitchFamily="49" charset="0"/>
-              </a:rPr>
-              <a:t> </a:t>
-            </a:r>
-            <a:r>
-              <a:rPr lang="en" altLang="ko-KR" b="0" dirty="0">
-                <a:solidFill>
-                  <a:srgbClr val="9CDCFE"/>
-                </a:solidFill>
-                <a:effectLst/>
-                <a:latin typeface="Menlo" panose="020B0609030804020204" pitchFamily="49" charset="0"/>
-              </a:rPr>
-              <a:t>__name__</a:t>
-            </a:r>
-            <a:r>
-              <a:rPr lang="en" altLang="ko-KR" b="0" dirty="0">
-                <a:solidFill>
-                  <a:srgbClr val="D4D4D4"/>
-                </a:solidFill>
-                <a:effectLst/>
-                <a:latin typeface="Menlo" panose="020B0609030804020204" pitchFamily="49" charset="0"/>
-              </a:rPr>
-              <a:t> == </a:t>
-            </a:r>
-            <a:r>
-              <a:rPr lang="en" altLang="ko-KR" b="0" dirty="0">
-                <a:solidFill>
-                  <a:srgbClr val="CE9178"/>
-                </a:solidFill>
-                <a:effectLst/>
-                <a:latin typeface="Menlo" panose="020B0609030804020204" pitchFamily="49" charset="0"/>
-              </a:rPr>
-              <a:t>"__main__"</a:t>
-            </a:r>
-            <a:r>
-              <a:rPr lang="en" altLang="ko-KR" b="0" dirty="0">
-                <a:solidFill>
-                  <a:srgbClr val="D4D4D4"/>
-                </a:solidFill>
-                <a:effectLst/>
-                <a:latin typeface="Menlo" panose="020B0609030804020204" pitchFamily="49" charset="0"/>
-              </a:rPr>
-              <a:t>:</a:t>
-            </a:r>
-          </a:p>
-          <a:p>
-            <a:pPr marL="0" indent="0">
-              <a:buNone/>
-            </a:pPr>
-            <a:r>
-              <a:rPr lang="en" altLang="ko-KR" b="0" dirty="0">
-                <a:solidFill>
-                  <a:srgbClr val="4FC1FF"/>
-                </a:solidFill>
-                <a:effectLst/>
-                <a:latin typeface="Menlo" panose="020B0609030804020204" pitchFamily="49" charset="0"/>
-              </a:rPr>
-              <a:t>	N</a:t>
-            </a:r>
-            <a:r>
-              <a:rPr lang="en" altLang="ko-KR" b="0" dirty="0">
-                <a:solidFill>
-                  <a:srgbClr val="D4D4D4"/>
-                </a:solidFill>
-                <a:effectLst/>
-                <a:latin typeface="Menlo" panose="020B0609030804020204" pitchFamily="49" charset="0"/>
-              </a:rPr>
-              <a:t>, </a:t>
-            </a:r>
-            <a:r>
-              <a:rPr lang="en" altLang="ko-KR" b="0" dirty="0">
-                <a:solidFill>
-                  <a:srgbClr val="4FC1FF"/>
-                </a:solidFill>
-                <a:effectLst/>
-                <a:latin typeface="Menlo" panose="020B0609030804020204" pitchFamily="49" charset="0"/>
-              </a:rPr>
-              <a:t>M</a:t>
-            </a:r>
-            <a:r>
-              <a:rPr lang="en" altLang="ko-KR" b="0" dirty="0">
-                <a:solidFill>
-                  <a:srgbClr val="D4D4D4"/>
-                </a:solidFill>
-                <a:effectLst/>
-                <a:latin typeface="Menlo" panose="020B0609030804020204" pitchFamily="49" charset="0"/>
-              </a:rPr>
-              <a:t> = </a:t>
-            </a:r>
-            <a:r>
-              <a:rPr lang="en" altLang="ko-KR" b="0" dirty="0">
-                <a:solidFill>
-                  <a:srgbClr val="4EC9B0"/>
-                </a:solidFill>
-                <a:effectLst/>
-                <a:latin typeface="Menlo" panose="020B0609030804020204" pitchFamily="49" charset="0"/>
-              </a:rPr>
-              <a:t>map</a:t>
-            </a:r>
-            <a:r>
-              <a:rPr lang="en" altLang="ko-KR" b="0" dirty="0">
-                <a:solidFill>
-                  <a:srgbClr val="D4D4D4"/>
-                </a:solidFill>
-                <a:effectLst/>
-                <a:latin typeface="Menlo" panose="020B0609030804020204" pitchFamily="49" charset="0"/>
-              </a:rPr>
-              <a:t>(</a:t>
-            </a:r>
-            <a:r>
-              <a:rPr lang="en" altLang="ko-KR" b="0" dirty="0">
-                <a:solidFill>
-                  <a:srgbClr val="4EC9B0"/>
-                </a:solidFill>
-                <a:effectLst/>
-                <a:latin typeface="Menlo" panose="020B0609030804020204" pitchFamily="49" charset="0"/>
-              </a:rPr>
-              <a:t>int</a:t>
-            </a:r>
-            <a:r>
-              <a:rPr lang="en" altLang="ko-KR" b="0" dirty="0">
-                <a:solidFill>
-                  <a:srgbClr val="D4D4D4"/>
-                </a:solidFill>
-                <a:effectLst/>
-                <a:latin typeface="Menlo" panose="020B0609030804020204" pitchFamily="49" charset="0"/>
-              </a:rPr>
-              <a:t>, </a:t>
-            </a:r>
-            <a:r>
-              <a:rPr lang="en" altLang="ko-KR" b="0" dirty="0" err="1">
-                <a:solidFill>
-                  <a:srgbClr val="9CDCFE"/>
-                </a:solidFill>
-                <a:effectLst/>
-                <a:latin typeface="Menlo" panose="020B0609030804020204" pitchFamily="49" charset="0"/>
-              </a:rPr>
-              <a:t>stdin</a:t>
-            </a:r>
-            <a:r>
-              <a:rPr lang="en" altLang="ko-KR" b="0" dirty="0" err="1">
-                <a:solidFill>
-                  <a:srgbClr val="D4D4D4"/>
-                </a:solidFill>
-                <a:effectLst/>
-                <a:latin typeface="Menlo" panose="020B0609030804020204" pitchFamily="49" charset="0"/>
-              </a:rPr>
-              <a:t>.</a:t>
-            </a:r>
-            <a:r>
-              <a:rPr lang="en" altLang="ko-KR" b="0" dirty="0" err="1">
-                <a:solidFill>
-                  <a:srgbClr val="DCDCAA"/>
-                </a:solidFill>
-                <a:effectLst/>
-                <a:latin typeface="Menlo" panose="020B0609030804020204" pitchFamily="49" charset="0"/>
-              </a:rPr>
-              <a:t>readline</a:t>
-            </a:r>
-            <a:r>
-              <a:rPr lang="en" altLang="ko-KR" b="0" dirty="0">
-                <a:solidFill>
-                  <a:srgbClr val="D4D4D4"/>
-                </a:solidFill>
-                <a:effectLst/>
-                <a:latin typeface="Menlo" panose="020B0609030804020204" pitchFamily="49" charset="0"/>
-              </a:rPr>
-              <a:t>().</a:t>
-            </a:r>
-            <a:r>
-              <a:rPr lang="en" altLang="ko-KR" b="0" dirty="0">
-                <a:solidFill>
-                  <a:srgbClr val="DCDCAA"/>
-                </a:solidFill>
-                <a:effectLst/>
-                <a:latin typeface="Menlo" panose="020B0609030804020204" pitchFamily="49" charset="0"/>
-              </a:rPr>
-              <a:t>split</a:t>
-            </a:r>
-            <a:r>
-              <a:rPr lang="en" altLang="ko-KR" b="0" dirty="0">
-                <a:solidFill>
-                  <a:srgbClr val="D4D4D4"/>
-                </a:solidFill>
-                <a:effectLst/>
-                <a:latin typeface="Menlo" panose="020B0609030804020204" pitchFamily="49" charset="0"/>
-              </a:rPr>
-              <a:t>())</a:t>
-            </a:r>
-          </a:p>
-          <a:p>
-            <a:pPr marL="0" indent="0">
-              <a:buNone/>
-            </a:pPr>
-            <a:r>
-              <a:rPr lang="en" altLang="ko-KR" b="0" dirty="0">
-                <a:solidFill>
-                  <a:srgbClr val="9CDCFE"/>
-                </a:solidFill>
-                <a:effectLst/>
-                <a:latin typeface="Menlo" panose="020B0609030804020204" pitchFamily="49" charset="0"/>
-              </a:rPr>
-              <a:t>	</a:t>
-            </a:r>
-            <a:r>
-              <a:rPr lang="en" altLang="ko-KR" b="0" dirty="0" err="1">
-                <a:solidFill>
-                  <a:srgbClr val="9CDCFE"/>
-                </a:solidFill>
-                <a:effectLst/>
-                <a:latin typeface="Menlo" panose="020B0609030804020204" pitchFamily="49" charset="0"/>
-              </a:rPr>
-              <a:t>bool_num_list</a:t>
-            </a:r>
-            <a:r>
-              <a:rPr lang="en" altLang="ko-KR" b="0" dirty="0">
-                <a:solidFill>
-                  <a:srgbClr val="D4D4D4"/>
-                </a:solidFill>
-                <a:effectLst/>
-                <a:latin typeface="Menlo" panose="020B0609030804020204" pitchFamily="49" charset="0"/>
-              </a:rPr>
-              <a:t> = [</a:t>
-            </a:r>
-            <a:r>
-              <a:rPr lang="en" altLang="ko-KR" b="0" dirty="0">
-                <a:solidFill>
-                  <a:srgbClr val="569CD6"/>
-                </a:solidFill>
-                <a:effectLst/>
-                <a:latin typeface="Menlo" panose="020B0609030804020204" pitchFamily="49" charset="0"/>
-              </a:rPr>
-              <a:t>False</a:t>
-            </a:r>
-            <a:r>
-              <a:rPr lang="en" altLang="ko-KR" b="0" dirty="0">
-                <a:solidFill>
-                  <a:srgbClr val="D4D4D4"/>
-                </a:solidFill>
-                <a:effectLst/>
-                <a:latin typeface="Menlo" panose="020B0609030804020204" pitchFamily="49" charset="0"/>
-              </a:rPr>
-              <a:t>] * </a:t>
-            </a:r>
-            <a:r>
-              <a:rPr lang="en" altLang="ko-KR" b="0" dirty="0">
-                <a:solidFill>
-                  <a:srgbClr val="4FC1FF"/>
-                </a:solidFill>
-                <a:effectLst/>
-                <a:latin typeface="Menlo" panose="020B0609030804020204" pitchFamily="49" charset="0"/>
-              </a:rPr>
-              <a:t>N</a:t>
-            </a:r>
-            <a:endParaRPr lang="en" altLang="ko-KR" b="0" dirty="0">
-              <a:solidFill>
-                <a:srgbClr val="D4D4D4"/>
-              </a:solidFill>
-              <a:effectLst/>
-              <a:latin typeface="Menlo" panose="020B0609030804020204" pitchFamily="49" charset="0"/>
-            </a:endParaRPr>
-          </a:p>
-          <a:p>
-            <a:pPr marL="0" indent="0">
-              <a:buNone/>
-            </a:pPr>
-            <a:r>
-              <a:rPr lang="en" altLang="ko-KR" b="0" dirty="0">
-                <a:solidFill>
-                  <a:srgbClr val="DCDCAA"/>
-                </a:solidFill>
-                <a:effectLst/>
-                <a:latin typeface="Menlo" panose="020B0609030804020204" pitchFamily="49" charset="0"/>
-              </a:rPr>
-              <a:t>	solve</a:t>
-            </a:r>
-            <a:r>
-              <a:rPr lang="en" altLang="ko-KR" b="0" dirty="0">
-                <a:solidFill>
-                  <a:srgbClr val="D4D4D4"/>
-                </a:solidFill>
-                <a:effectLst/>
-                <a:latin typeface="Menlo" panose="020B0609030804020204" pitchFamily="49" charset="0"/>
-              </a:rPr>
-              <a:t>(</a:t>
-            </a:r>
-            <a:r>
-              <a:rPr lang="en" altLang="ko-KR" b="0" dirty="0">
-                <a:solidFill>
-                  <a:srgbClr val="B5CEA8"/>
-                </a:solidFill>
-                <a:effectLst/>
-                <a:latin typeface="Menlo" panose="020B0609030804020204" pitchFamily="49" charset="0"/>
-              </a:rPr>
-              <a:t>0</a:t>
-            </a:r>
-            <a:r>
-              <a:rPr lang="en" altLang="ko-KR" b="0" dirty="0">
-                <a:solidFill>
-                  <a:srgbClr val="D4D4D4"/>
-                </a:solidFill>
-                <a:effectLst/>
-                <a:latin typeface="Menlo" panose="020B0609030804020204" pitchFamily="49" charset="0"/>
-              </a:rPr>
-              <a:t>)</a:t>
-            </a:r>
-            <a:br>
-              <a:rPr lang="en" altLang="ko-KR" b="0" dirty="0">
-                <a:solidFill>
-                  <a:srgbClr val="D4D4D4"/>
-                </a:solidFill>
-                <a:effectLst/>
-                <a:latin typeface="Menlo" panose="020B0609030804020204" pitchFamily="49" charset="0"/>
-              </a:rPr>
-            </a:br>
-            <a:endParaRPr lang="en" altLang="ko-KR" b="0" dirty="0">
-              <a:solidFill>
-                <a:srgbClr val="D4D4D4"/>
-              </a:solidFill>
-              <a:effectLst/>
-              <a:latin typeface="Menlo" panose="020B0609030804020204" pitchFamily="49" charset="0"/>
-            </a:endParaRPr>
-          </a:p>
-          <a:p>
-            <a:pPr marL="0" indent="0">
-              <a:buNone/>
-            </a:pPr>
-            <a:endParaRPr kumimoji="1" lang="ko-KR" altLang="en-US" dirty="0"/>
+        <p:spPr/>
+        <p:txBody>
+          <a:bodyPr/>
+          <a:lstStyle/>
+          <a:p>
+            <a:r>
+              <a:rPr kumimoji="1" lang="en-US" altLang="ko-KR" dirty="0"/>
+              <a:t>N, K are given</a:t>
+            </a:r>
+          </a:p>
+          <a:p>
+            <a:endParaRPr kumimoji="1" lang="en-US" altLang="ko-KR" dirty="0"/>
+          </a:p>
+          <a:p>
+            <a:endParaRPr kumimoji="1" lang="en-US" altLang="ko-KR" dirty="0"/>
+          </a:p>
+          <a:p>
+            <a:r>
+              <a:rPr kumimoji="1" lang="en-US" altLang="ko-KR" dirty="0"/>
+              <a:t>Find all permutation with length of K with natural number under N with no overlap</a:t>
+            </a:r>
+          </a:p>
+          <a:p>
+            <a:endParaRPr kumimoji="1" lang="en-US" altLang="ko-KR" dirty="0"/>
+          </a:p>
+          <a:p>
+            <a:endParaRPr kumimoji="1" lang="en-US" altLang="ko-KR" dirty="0"/>
           </a:p>
         </p:txBody>
       </p:sp>
     </p:spTree>
     <p:extLst>
       <p:ext uri="{BB962C8B-B14F-4D97-AF65-F5344CB8AC3E}">
-        <p14:creationId xmlns:p14="http://schemas.microsoft.com/office/powerpoint/2010/main" val="3184595637"/>
+        <p14:creationId xmlns:p14="http://schemas.microsoft.com/office/powerpoint/2010/main" val="3542855928"/>
       </p:ext>
     </p:extLst>
   </p:cSld>
@@ -5136,76 +3544,40 @@
           <a:chExt cx="0" cy="0"/>
         </a:xfrm>
       </p:grpSpPr>
-      <p:sp>
-        <p:nvSpPr>
-          <p:cNvPr id="2" name="제목 1">
-            <a:extLst>
-              <a:ext uri="{FF2B5EF4-FFF2-40B4-BE49-F238E27FC236}">
-                <a16:creationId xmlns:a16="http://schemas.microsoft.com/office/drawing/2014/main" id="{271E8603-B541-CAFA-AA95-A561116DBCBA}"/>
-              </a:ext>
-            </a:extLst>
-          </p:cNvPr>
-          <p:cNvSpPr>
-            <a:spLocks noGrp="1"/>
-          </p:cNvSpPr>
-          <p:nvPr>
-            <p:ph type="title"/>
-          </p:nvPr>
-        </p:nvSpPr>
-        <p:spPr/>
-        <p:txBody>
-          <a:bodyPr/>
-          <a:lstStyle/>
-          <a:p>
-            <a:r>
-              <a:rPr kumimoji="1" lang="en-US" altLang="ko-KR" dirty="0"/>
-              <a:t>Example 2</a:t>
-            </a:r>
-            <a:endParaRPr kumimoji="1" lang="ko-KR" altLang="en-US" dirty="0"/>
-          </a:p>
-        </p:txBody>
-      </p:sp>
-      <p:sp>
-        <p:nvSpPr>
-          <p:cNvPr id="3" name="내용 개체 틀 2">
-            <a:extLst>
-              <a:ext uri="{FF2B5EF4-FFF2-40B4-BE49-F238E27FC236}">
-                <a16:creationId xmlns:a16="http://schemas.microsoft.com/office/drawing/2014/main" id="{228B566A-F14D-7775-2621-E84C45EA18F8}"/>
-              </a:ext>
-            </a:extLst>
-          </p:cNvPr>
-          <p:cNvSpPr>
-            <a:spLocks noGrp="1"/>
-          </p:cNvSpPr>
-          <p:nvPr>
-            <p:ph idx="1"/>
-          </p:nvPr>
-        </p:nvSpPr>
-        <p:spPr/>
-        <p:txBody>
-          <a:bodyPr/>
-          <a:lstStyle/>
-          <a:p>
-            <a:r>
-              <a:rPr kumimoji="1" lang="en-US" altLang="ko-KR" dirty="0"/>
-              <a:t>N is given</a:t>
-            </a:r>
-          </a:p>
-          <a:p>
-            <a:endParaRPr kumimoji="1" lang="en-US" altLang="ko-KR" dirty="0"/>
-          </a:p>
-          <a:p>
-            <a:r>
-              <a:rPr kumimoji="1" lang="en-US" altLang="ko-KR" dirty="0"/>
-              <a:t>Find all possible cases that queens not attacking each other in N * N board</a:t>
-            </a:r>
-          </a:p>
-        </p:txBody>
-      </p:sp>
+      <p:pic>
+        <p:nvPicPr>
+          <p:cNvPr id="4" name="그림 3" descr="텍스트이(가) 표시된 사진&#10;&#10;자동 생성된 설명">
+            <a:extLst>
+              <a:ext uri="{FF2B5EF4-FFF2-40B4-BE49-F238E27FC236}">
+                <a16:creationId xmlns:a16="http://schemas.microsoft.com/office/drawing/2014/main" id="{22CEBC81-1BE3-32F4-8E9A-A348CC20497A}"/>
+              </a:ext>
+            </a:extLst>
+          </p:cNvPr>
+          <p:cNvPicPr>
+            <a:picLocks noChangeAspect="1"/>
+          </p:cNvPicPr>
+          <p:nvPr/>
+        </p:nvPicPr>
+        <p:blipFill>
+          <a:blip r:embed="rId2"/>
+          <a:stretch>
+            <a:fillRect/>
+          </a:stretch>
+        </p:blipFill>
+        <p:spPr>
+          <a:xfrm>
+            <a:off x="255244" y="0"/>
+            <a:ext cx="5958444" cy="6858000"/>
+          </a:xfrm>
+          <a:prstGeom prst="rect">
+            <a:avLst/>
+          </a:prstGeom>
+        </p:spPr>
+      </p:pic>
     </p:spTree>
     <p:extLst>
       <p:ext uri="{BB962C8B-B14F-4D97-AF65-F5344CB8AC3E}">
-        <p14:creationId xmlns:p14="http://schemas.microsoft.com/office/powerpoint/2010/main" val="2571091831"/>
+        <p14:creationId xmlns:p14="http://schemas.microsoft.com/office/powerpoint/2010/main" val="3184595637"/>
       </p:ext>
     </p:extLst>
   </p:cSld>
@@ -5237,7 +3609,7 @@
           <p:cNvPr id="2" name="제목 1">
             <a:extLst>
               <a:ext uri="{FF2B5EF4-FFF2-40B4-BE49-F238E27FC236}">
-                <a16:creationId xmlns:a16="http://schemas.microsoft.com/office/drawing/2014/main" id="{27DE436F-CA18-BAF0-17D5-301B2CE6CB36}"/>
+                <a16:creationId xmlns:a16="http://schemas.microsoft.com/office/drawing/2014/main" id="{271E8603-B541-CAFA-AA95-A561116DBCBA}"/>
               </a:ext>
             </a:extLst>
           </p:cNvPr>
@@ -5253,6 +3625,10 @@
           <a:bodyPr/>
           <a:lstStyle/>
           <a:p>
+            <a:r>
+              <a:rPr kumimoji="1" lang="en-US" altLang="ko-KR" dirty="0"/>
+              <a:t>Example 2</a:t>
+            </a:r>
             <a:endParaRPr kumimoji="1" lang="ko-KR" altLang="en-US" dirty="0"/>
           </a:p>
         </p:txBody>
@@ -5262,7 +3638,7 @@
           <p:cNvPr id="3" name="내용 개체 틀 2">
             <a:extLst>
               <a:ext uri="{FF2B5EF4-FFF2-40B4-BE49-F238E27FC236}">
-                <a16:creationId xmlns:a16="http://schemas.microsoft.com/office/drawing/2014/main" id="{431FFDEB-C070-6552-0EDC-D6463CD03BA2}"/>
+                <a16:creationId xmlns:a16="http://schemas.microsoft.com/office/drawing/2014/main" id="{228B566A-F14D-7775-2621-E84C45EA18F8}"/>
               </a:ext>
             </a:extLst>
           </p:cNvPr>
@@ -5278,10 +3654,82 @@
           <a:bodyPr/>
           <a:lstStyle/>
           <a:p>
-            <a:endParaRPr kumimoji="1" lang="ko-KR" altLang="en-US" dirty="0"/>
-          </a:p>
-        </p:txBody>
-      </p:sp>
+            <a:r>
+              <a:rPr kumimoji="1" lang="en-US" altLang="ko-KR" dirty="0"/>
+              <a:t>N is given</a:t>
+            </a:r>
+          </a:p>
+          <a:p>
+            <a:endParaRPr kumimoji="1" lang="en-US" altLang="ko-KR" dirty="0"/>
+          </a:p>
+          <a:p>
+            <a:r>
+              <a:rPr kumimoji="1" lang="en-US" altLang="ko-KR" dirty="0"/>
+              <a:t>Find all possible cases that queens not attacking each other in N * N board</a:t>
+            </a:r>
+          </a:p>
+        </p:txBody>
+      </p:sp>
+    </p:spTree>
+    <p:extLst>
+      <p:ext uri="{BB962C8B-B14F-4D97-AF65-F5344CB8AC3E}">
+        <p14:creationId xmlns:p14="http://schemas.microsoft.com/office/powerpoint/2010/main" val="2571091831"/>
+      </p:ext>
+    </p:extLst>
+  </p:cSld>
+  <p:clrMapOvr>
+    <a:masterClrMapping/>
+  </p:clrMapOvr>
+</p:sld>
+</file>
+
+<file path=ppt/slides/slide13.xml><?xml version="1.0" encoding="utf-8"?>
+<p:sld xmlns:a="http://schemas.openxmlformats.org/drawingml/2006/main" xmlns:r="http://schemas.openxmlformats.org/officeDocument/2006/relationships" xmlns:p="http://schemas.openxmlformats.org/presentationml/2006/main">
+  <p:cSld>
+    <p:spTree>
+      <p:nvGrpSpPr>
+        <p:cNvPr id="1" name=""/>
+        <p:cNvGrpSpPr/>
+        <p:nvPr/>
+      </p:nvGrpSpPr>
+      <p:grpSpPr>
+        <a:xfrm>
+          <a:off x="0" y="0"/>
+          <a:ext cx="0" cy="0"/>
+          <a:chOff x="0" y="0"/>
+          <a:chExt cx="0" cy="0"/>
+        </a:xfrm>
+      </p:grpSpPr>
+      <p:pic>
+        <p:nvPicPr>
+          <p:cNvPr id="5" name="그림 4" descr="텍스트이(가) 표시된 사진&#10;&#10;자동 생성된 설명">
+            <a:extLst>
+              <a:ext uri="{FF2B5EF4-FFF2-40B4-BE49-F238E27FC236}">
+                <a16:creationId xmlns:a16="http://schemas.microsoft.com/office/drawing/2014/main" id="{E7A3C72F-1226-B47F-6CFE-527700221BC6}"/>
+              </a:ext>
+            </a:extLst>
+          </p:cNvPr>
+          <p:cNvPicPr>
+            <a:picLocks noChangeAspect="1"/>
+          </p:cNvPicPr>
+          <p:nvPr/>
+        </p:nvPicPr>
+        <p:blipFill>
+          <a:blip r:embed="rId2"/>
+          <a:stretch>
+            <a:fillRect/>
+          </a:stretch>
+        </p:blipFill>
+        <p:spPr>
+          <a:xfrm>
+            <a:off x="269946" y="0"/>
+            <a:ext cx="6058132" cy="6858000"/>
+          </a:xfrm>
+          <a:prstGeom prst="rect">
+            <a:avLst/>
+          </a:prstGeom>
+        </p:spPr>
+      </p:pic>
     </p:spTree>
     <p:extLst>
       <p:ext uri="{BB962C8B-B14F-4D97-AF65-F5344CB8AC3E}">
@@ -6768,10 +5216,1010 @@
       </p:grpSpPr>
       <p:sp>
         <p:nvSpPr>
-          <p:cNvPr id="4" name="TextBox 3">
-            <a:extLst>
-              <a:ext uri="{FF2B5EF4-FFF2-40B4-BE49-F238E27FC236}">
-                <a16:creationId xmlns:a16="http://schemas.microsoft.com/office/drawing/2014/main" id="{FFC900A0-8C8F-C5E6-E771-38BD3E10C60F}"/>
+          <p:cNvPr id="4" name="타원 3">
+            <a:extLst>
+              <a:ext uri="{FF2B5EF4-FFF2-40B4-BE49-F238E27FC236}">
+                <a16:creationId xmlns:a16="http://schemas.microsoft.com/office/drawing/2014/main" id="{335C1E45-0E03-064E-5ED2-E5772143D020}"/>
+              </a:ext>
+            </a:extLst>
+          </p:cNvPr>
+          <p:cNvSpPr/>
+          <p:nvPr/>
+        </p:nvSpPr>
+        <p:spPr>
+          <a:xfrm>
+            <a:off x="5117592" y="537972"/>
+            <a:ext cx="649224" cy="649224"/>
+          </a:xfrm>
+          <a:prstGeom prst="ellipse">
+            <a:avLst/>
+          </a:prstGeom>
+        </p:spPr>
+        <p:style>
+          <a:lnRef idx="2">
+            <a:schemeClr val="accent6"/>
+          </a:lnRef>
+          <a:fillRef idx="1">
+            <a:schemeClr val="lt1"/>
+          </a:fillRef>
+          <a:effectRef idx="0">
+            <a:schemeClr val="accent6"/>
+          </a:effectRef>
+          <a:fontRef idx="minor">
+            <a:schemeClr val="dk1"/>
+          </a:fontRef>
+        </p:style>
+        <p:txBody>
+          <a:bodyPr rtlCol="0" anchor="ctr"/>
+          <a:lstStyle/>
+          <a:p>
+            <a:pPr algn="ctr"/>
+            <a:r>
+              <a:rPr kumimoji="1" lang="en-US" altLang="ko-KR" dirty="0"/>
+              <a:t>A</a:t>
+            </a:r>
+            <a:endParaRPr kumimoji="1" lang="ko-KR" altLang="en-US" dirty="0"/>
+          </a:p>
+        </p:txBody>
+      </p:sp>
+      <p:sp>
+        <p:nvSpPr>
+          <p:cNvPr id="5" name="타원 4">
+            <a:extLst>
+              <a:ext uri="{FF2B5EF4-FFF2-40B4-BE49-F238E27FC236}">
+                <a16:creationId xmlns:a16="http://schemas.microsoft.com/office/drawing/2014/main" id="{3834E5C1-35D4-EED6-2D33-9CB25F3E6927}"/>
+              </a:ext>
+            </a:extLst>
+          </p:cNvPr>
+          <p:cNvSpPr/>
+          <p:nvPr/>
+        </p:nvSpPr>
+        <p:spPr>
+          <a:xfrm>
+            <a:off x="3745992" y="1187196"/>
+            <a:ext cx="649224" cy="649224"/>
+          </a:xfrm>
+          <a:prstGeom prst="ellipse">
+            <a:avLst/>
+          </a:prstGeom>
+        </p:spPr>
+        <p:style>
+          <a:lnRef idx="2">
+            <a:schemeClr val="accent6"/>
+          </a:lnRef>
+          <a:fillRef idx="1">
+            <a:schemeClr val="lt1"/>
+          </a:fillRef>
+          <a:effectRef idx="0">
+            <a:schemeClr val="accent6"/>
+          </a:effectRef>
+          <a:fontRef idx="minor">
+            <a:schemeClr val="dk1"/>
+          </a:fontRef>
+        </p:style>
+        <p:txBody>
+          <a:bodyPr rtlCol="0" anchor="ctr"/>
+          <a:lstStyle/>
+          <a:p>
+            <a:pPr algn="ctr"/>
+            <a:r>
+              <a:rPr kumimoji="1" lang="en-US" altLang="ko-KR" dirty="0"/>
+              <a:t>B</a:t>
+            </a:r>
+            <a:endParaRPr kumimoji="1" lang="ko-KR" altLang="en-US" dirty="0"/>
+          </a:p>
+        </p:txBody>
+      </p:sp>
+      <p:sp>
+        <p:nvSpPr>
+          <p:cNvPr id="6" name="타원 5">
+            <a:extLst>
+              <a:ext uri="{FF2B5EF4-FFF2-40B4-BE49-F238E27FC236}">
+                <a16:creationId xmlns:a16="http://schemas.microsoft.com/office/drawing/2014/main" id="{D4B5C947-C239-7C0B-53F6-EBC2BB894835}"/>
+              </a:ext>
+            </a:extLst>
+          </p:cNvPr>
+          <p:cNvSpPr/>
+          <p:nvPr/>
+        </p:nvSpPr>
+        <p:spPr>
+          <a:xfrm>
+            <a:off x="3096768" y="2372868"/>
+            <a:ext cx="649224" cy="649224"/>
+          </a:xfrm>
+          <a:prstGeom prst="ellipse">
+            <a:avLst/>
+          </a:prstGeom>
+        </p:spPr>
+        <p:style>
+          <a:lnRef idx="2">
+            <a:schemeClr val="accent6"/>
+          </a:lnRef>
+          <a:fillRef idx="1">
+            <a:schemeClr val="lt1"/>
+          </a:fillRef>
+          <a:effectRef idx="0">
+            <a:schemeClr val="accent6"/>
+          </a:effectRef>
+          <a:fontRef idx="minor">
+            <a:schemeClr val="dk1"/>
+          </a:fontRef>
+        </p:style>
+        <p:txBody>
+          <a:bodyPr rtlCol="0" anchor="ctr"/>
+          <a:lstStyle/>
+          <a:p>
+            <a:pPr algn="ctr"/>
+            <a:r>
+              <a:rPr kumimoji="1" lang="ko-KR" altLang="en-US" dirty="0"/>
+              <a:t>가</a:t>
+            </a:r>
+          </a:p>
+        </p:txBody>
+      </p:sp>
+      <p:sp>
+        <p:nvSpPr>
+          <p:cNvPr id="7" name="타원 6">
+            <a:extLst>
+              <a:ext uri="{FF2B5EF4-FFF2-40B4-BE49-F238E27FC236}">
+                <a16:creationId xmlns:a16="http://schemas.microsoft.com/office/drawing/2014/main" id="{D4B76DDD-2BA2-9680-EEFF-6D201E7FD3F8}"/>
+              </a:ext>
+            </a:extLst>
+          </p:cNvPr>
+          <p:cNvSpPr/>
+          <p:nvPr/>
+        </p:nvSpPr>
+        <p:spPr>
+          <a:xfrm>
+            <a:off x="6489192" y="1187196"/>
+            <a:ext cx="649224" cy="649224"/>
+          </a:xfrm>
+          <a:prstGeom prst="ellipse">
+            <a:avLst/>
+          </a:prstGeom>
+        </p:spPr>
+        <p:style>
+          <a:lnRef idx="2">
+            <a:schemeClr val="accent6"/>
+          </a:lnRef>
+          <a:fillRef idx="1">
+            <a:schemeClr val="lt1"/>
+          </a:fillRef>
+          <a:effectRef idx="0">
+            <a:schemeClr val="accent6"/>
+          </a:effectRef>
+          <a:fontRef idx="minor">
+            <a:schemeClr val="dk1"/>
+          </a:fontRef>
+        </p:style>
+        <p:txBody>
+          <a:bodyPr rtlCol="0" anchor="ctr"/>
+          <a:lstStyle/>
+          <a:p>
+            <a:pPr algn="ctr"/>
+            <a:r>
+              <a:rPr kumimoji="1" lang="en-US" altLang="ko-KR" dirty="0"/>
+              <a:t>C</a:t>
+            </a:r>
+            <a:endParaRPr kumimoji="1" lang="ko-KR" altLang="en-US" dirty="0"/>
+          </a:p>
+        </p:txBody>
+      </p:sp>
+      <p:sp>
+        <p:nvSpPr>
+          <p:cNvPr id="8" name="타원 7">
+            <a:extLst>
+              <a:ext uri="{FF2B5EF4-FFF2-40B4-BE49-F238E27FC236}">
+                <a16:creationId xmlns:a16="http://schemas.microsoft.com/office/drawing/2014/main" id="{A754EAE7-3992-7A55-B0B4-54B985F30858}"/>
+              </a:ext>
+            </a:extLst>
+          </p:cNvPr>
+          <p:cNvSpPr/>
+          <p:nvPr/>
+        </p:nvSpPr>
+        <p:spPr>
+          <a:xfrm>
+            <a:off x="7226808" y="3488436"/>
+            <a:ext cx="649224" cy="649224"/>
+          </a:xfrm>
+          <a:prstGeom prst="ellipse">
+            <a:avLst/>
+          </a:prstGeom>
+        </p:spPr>
+        <p:style>
+          <a:lnRef idx="2">
+            <a:schemeClr val="accent6"/>
+          </a:lnRef>
+          <a:fillRef idx="1">
+            <a:schemeClr val="lt1"/>
+          </a:fillRef>
+          <a:effectRef idx="0">
+            <a:schemeClr val="accent6"/>
+          </a:effectRef>
+          <a:fontRef idx="minor">
+            <a:schemeClr val="dk1"/>
+          </a:fontRef>
+        </p:style>
+        <p:txBody>
+          <a:bodyPr rtlCol="0" anchor="ctr"/>
+          <a:lstStyle/>
+          <a:p>
+            <a:pPr algn="ctr"/>
+            <a:r>
+              <a:rPr kumimoji="1" lang="en-US" altLang="ko-KR" dirty="0"/>
+              <a:t>H</a:t>
+            </a:r>
+            <a:endParaRPr kumimoji="1" lang="ko-KR" altLang="en-US" dirty="0"/>
+          </a:p>
+        </p:txBody>
+      </p:sp>
+      <p:sp>
+        <p:nvSpPr>
+          <p:cNvPr id="9" name="타원 8">
+            <a:extLst>
+              <a:ext uri="{FF2B5EF4-FFF2-40B4-BE49-F238E27FC236}">
+                <a16:creationId xmlns:a16="http://schemas.microsoft.com/office/drawing/2014/main" id="{76BA1849-6958-90FD-CAC7-D2F2782FFF9A}"/>
+              </a:ext>
+            </a:extLst>
+          </p:cNvPr>
+          <p:cNvSpPr/>
+          <p:nvPr/>
+        </p:nvSpPr>
+        <p:spPr>
+          <a:xfrm>
+            <a:off x="4395216" y="2372868"/>
+            <a:ext cx="649224" cy="649224"/>
+          </a:xfrm>
+          <a:prstGeom prst="ellipse">
+            <a:avLst/>
+          </a:prstGeom>
+        </p:spPr>
+        <p:style>
+          <a:lnRef idx="2">
+            <a:schemeClr val="accent6"/>
+          </a:lnRef>
+          <a:fillRef idx="1">
+            <a:schemeClr val="lt1"/>
+          </a:fillRef>
+          <a:effectRef idx="0">
+            <a:schemeClr val="accent6"/>
+          </a:effectRef>
+          <a:fontRef idx="minor">
+            <a:schemeClr val="dk1"/>
+          </a:fontRef>
+        </p:style>
+        <p:txBody>
+          <a:bodyPr rtlCol="0" anchor="ctr"/>
+          <a:lstStyle/>
+          <a:p>
+            <a:pPr algn="ctr"/>
+            <a:r>
+              <a:rPr kumimoji="1" lang="en-US" altLang="ko-KR" dirty="0"/>
+              <a:t>D</a:t>
+            </a:r>
+            <a:endParaRPr kumimoji="1" lang="ko-KR" altLang="en-US" dirty="0"/>
+          </a:p>
+        </p:txBody>
+      </p:sp>
+      <p:sp>
+        <p:nvSpPr>
+          <p:cNvPr id="10" name="타원 9">
+            <a:extLst>
+              <a:ext uri="{FF2B5EF4-FFF2-40B4-BE49-F238E27FC236}">
+                <a16:creationId xmlns:a16="http://schemas.microsoft.com/office/drawing/2014/main" id="{B40DA404-ACF5-31A0-1DFC-B87A0E6EF5BA}"/>
+              </a:ext>
+            </a:extLst>
+          </p:cNvPr>
+          <p:cNvSpPr/>
+          <p:nvPr/>
+        </p:nvSpPr>
+        <p:spPr>
+          <a:xfrm>
+            <a:off x="5928360" y="2372868"/>
+            <a:ext cx="649224" cy="649224"/>
+          </a:xfrm>
+          <a:prstGeom prst="ellipse">
+            <a:avLst/>
+          </a:prstGeom>
+        </p:spPr>
+        <p:style>
+          <a:lnRef idx="2">
+            <a:schemeClr val="accent6"/>
+          </a:lnRef>
+          <a:fillRef idx="1">
+            <a:schemeClr val="lt1"/>
+          </a:fillRef>
+          <a:effectRef idx="0">
+            <a:schemeClr val="accent6"/>
+          </a:effectRef>
+          <a:fontRef idx="minor">
+            <a:schemeClr val="dk1"/>
+          </a:fontRef>
+        </p:style>
+        <p:txBody>
+          <a:bodyPr rtlCol="0" anchor="ctr"/>
+          <a:lstStyle/>
+          <a:p>
+            <a:pPr algn="ctr"/>
+            <a:r>
+              <a:rPr kumimoji="1" lang="ko-KR" altLang="en-US" dirty="0"/>
+              <a:t>라</a:t>
+            </a:r>
+          </a:p>
+        </p:txBody>
+      </p:sp>
+      <p:sp>
+        <p:nvSpPr>
+          <p:cNvPr id="11" name="타원 10">
+            <a:extLst>
+              <a:ext uri="{FF2B5EF4-FFF2-40B4-BE49-F238E27FC236}">
+                <a16:creationId xmlns:a16="http://schemas.microsoft.com/office/drawing/2014/main" id="{8D3BB4F7-2A46-B166-DB2D-BCB4F30D4193}"/>
+              </a:ext>
+            </a:extLst>
+          </p:cNvPr>
+          <p:cNvSpPr/>
+          <p:nvPr/>
+        </p:nvSpPr>
+        <p:spPr>
+          <a:xfrm>
+            <a:off x="3470148" y="3483864"/>
+            <a:ext cx="649224" cy="649224"/>
+          </a:xfrm>
+          <a:prstGeom prst="ellipse">
+            <a:avLst/>
+          </a:prstGeom>
+        </p:spPr>
+        <p:style>
+          <a:lnRef idx="2">
+            <a:schemeClr val="accent6"/>
+          </a:lnRef>
+          <a:fillRef idx="1">
+            <a:schemeClr val="lt1"/>
+          </a:fillRef>
+          <a:effectRef idx="0">
+            <a:schemeClr val="accent6"/>
+          </a:effectRef>
+          <a:fontRef idx="minor">
+            <a:schemeClr val="dk1"/>
+          </a:fontRef>
+        </p:style>
+        <p:txBody>
+          <a:bodyPr rtlCol="0" anchor="ctr"/>
+          <a:lstStyle/>
+          <a:p>
+            <a:pPr algn="ctr"/>
+            <a:r>
+              <a:rPr kumimoji="1" lang="ko-KR" altLang="en-US" dirty="0"/>
+              <a:t>다</a:t>
+            </a:r>
+          </a:p>
+        </p:txBody>
+      </p:sp>
+      <p:sp>
+        <p:nvSpPr>
+          <p:cNvPr id="12" name="타원 11">
+            <a:extLst>
+              <a:ext uri="{FF2B5EF4-FFF2-40B4-BE49-F238E27FC236}">
+                <a16:creationId xmlns:a16="http://schemas.microsoft.com/office/drawing/2014/main" id="{BF2EF171-CE1B-709D-1933-CFB4C39BFA50}"/>
+              </a:ext>
+            </a:extLst>
+          </p:cNvPr>
+          <p:cNvSpPr/>
+          <p:nvPr/>
+        </p:nvSpPr>
+        <p:spPr>
+          <a:xfrm>
+            <a:off x="7226808" y="2372868"/>
+            <a:ext cx="649224" cy="649224"/>
+          </a:xfrm>
+          <a:prstGeom prst="ellipse">
+            <a:avLst/>
+          </a:prstGeom>
+        </p:spPr>
+        <p:style>
+          <a:lnRef idx="2">
+            <a:schemeClr val="accent6"/>
+          </a:lnRef>
+          <a:fillRef idx="1">
+            <a:schemeClr val="lt1"/>
+          </a:fillRef>
+          <a:effectRef idx="0">
+            <a:schemeClr val="accent6"/>
+          </a:effectRef>
+          <a:fontRef idx="minor">
+            <a:schemeClr val="dk1"/>
+          </a:fontRef>
+        </p:style>
+        <p:txBody>
+          <a:bodyPr rtlCol="0" anchor="ctr"/>
+          <a:lstStyle/>
+          <a:p>
+            <a:pPr algn="ctr"/>
+            <a:r>
+              <a:rPr kumimoji="1" lang="en-US" altLang="ko-KR" dirty="0"/>
+              <a:t>G</a:t>
+            </a:r>
+            <a:endParaRPr kumimoji="1" lang="ko-KR" altLang="en-US" dirty="0"/>
+          </a:p>
+        </p:txBody>
+      </p:sp>
+      <p:sp>
+        <p:nvSpPr>
+          <p:cNvPr id="13" name="타원 12">
+            <a:extLst>
+              <a:ext uri="{FF2B5EF4-FFF2-40B4-BE49-F238E27FC236}">
+                <a16:creationId xmlns:a16="http://schemas.microsoft.com/office/drawing/2014/main" id="{DE2CDB90-B825-EF48-BA17-6FFB0951A500}"/>
+              </a:ext>
+            </a:extLst>
+          </p:cNvPr>
+          <p:cNvSpPr/>
+          <p:nvPr/>
+        </p:nvSpPr>
+        <p:spPr>
+          <a:xfrm>
+            <a:off x="4395216" y="3488436"/>
+            <a:ext cx="649224" cy="649224"/>
+          </a:xfrm>
+          <a:prstGeom prst="ellipse">
+            <a:avLst/>
+          </a:prstGeom>
+        </p:spPr>
+        <p:style>
+          <a:lnRef idx="2">
+            <a:schemeClr val="accent6"/>
+          </a:lnRef>
+          <a:fillRef idx="1">
+            <a:schemeClr val="lt1"/>
+          </a:fillRef>
+          <a:effectRef idx="0">
+            <a:schemeClr val="accent6"/>
+          </a:effectRef>
+          <a:fontRef idx="minor">
+            <a:schemeClr val="dk1"/>
+          </a:fontRef>
+        </p:style>
+        <p:txBody>
+          <a:bodyPr rtlCol="0" anchor="ctr"/>
+          <a:lstStyle/>
+          <a:p>
+            <a:pPr algn="ctr"/>
+            <a:r>
+              <a:rPr kumimoji="1" lang="en-US" altLang="ko-KR" dirty="0"/>
+              <a:t>E</a:t>
+            </a:r>
+            <a:endParaRPr kumimoji="1" lang="ko-KR" altLang="en-US" dirty="0"/>
+          </a:p>
+        </p:txBody>
+      </p:sp>
+      <p:sp>
+        <p:nvSpPr>
+          <p:cNvPr id="14" name="타원 13">
+            <a:extLst>
+              <a:ext uri="{FF2B5EF4-FFF2-40B4-BE49-F238E27FC236}">
+                <a16:creationId xmlns:a16="http://schemas.microsoft.com/office/drawing/2014/main" id="{86EE80BA-EC5E-7BFB-B9B2-8DECF9BF97FD}"/>
+              </a:ext>
+            </a:extLst>
+          </p:cNvPr>
+          <p:cNvSpPr/>
+          <p:nvPr/>
+        </p:nvSpPr>
+        <p:spPr>
+          <a:xfrm>
+            <a:off x="2447544" y="3488436"/>
+            <a:ext cx="649224" cy="649224"/>
+          </a:xfrm>
+          <a:prstGeom prst="ellipse">
+            <a:avLst/>
+          </a:prstGeom>
+        </p:spPr>
+        <p:style>
+          <a:lnRef idx="2">
+            <a:schemeClr val="accent6"/>
+          </a:lnRef>
+          <a:fillRef idx="1">
+            <a:schemeClr val="lt1"/>
+          </a:fillRef>
+          <a:effectRef idx="0">
+            <a:schemeClr val="accent6"/>
+          </a:effectRef>
+          <a:fontRef idx="minor">
+            <a:schemeClr val="dk1"/>
+          </a:fontRef>
+        </p:style>
+        <p:txBody>
+          <a:bodyPr rtlCol="0" anchor="ctr"/>
+          <a:lstStyle/>
+          <a:p>
+            <a:pPr algn="ctr"/>
+            <a:r>
+              <a:rPr kumimoji="1" lang="ko-KR" altLang="en-US" dirty="0"/>
+              <a:t>나</a:t>
+            </a:r>
+          </a:p>
+        </p:txBody>
+      </p:sp>
+      <p:sp>
+        <p:nvSpPr>
+          <p:cNvPr id="15" name="타원 14">
+            <a:extLst>
+              <a:ext uri="{FF2B5EF4-FFF2-40B4-BE49-F238E27FC236}">
+                <a16:creationId xmlns:a16="http://schemas.microsoft.com/office/drawing/2014/main" id="{BE0935E2-2707-B658-4B70-A4FF06002F14}"/>
+              </a:ext>
+            </a:extLst>
+          </p:cNvPr>
+          <p:cNvSpPr/>
+          <p:nvPr/>
+        </p:nvSpPr>
+        <p:spPr>
+          <a:xfrm>
+            <a:off x="5928360" y="3488436"/>
+            <a:ext cx="649224" cy="649224"/>
+          </a:xfrm>
+          <a:prstGeom prst="ellipse">
+            <a:avLst/>
+          </a:prstGeom>
+        </p:spPr>
+        <p:style>
+          <a:lnRef idx="2">
+            <a:schemeClr val="accent6"/>
+          </a:lnRef>
+          <a:fillRef idx="1">
+            <a:schemeClr val="lt1"/>
+          </a:fillRef>
+          <a:effectRef idx="0">
+            <a:schemeClr val="accent6"/>
+          </a:effectRef>
+          <a:fontRef idx="minor">
+            <a:schemeClr val="dk1"/>
+          </a:fontRef>
+        </p:style>
+        <p:txBody>
+          <a:bodyPr rtlCol="0" anchor="ctr"/>
+          <a:lstStyle/>
+          <a:p>
+            <a:pPr algn="ctr"/>
+            <a:r>
+              <a:rPr kumimoji="1" lang="ko-KR" altLang="en-US" dirty="0"/>
+              <a:t>마</a:t>
+            </a:r>
+          </a:p>
+        </p:txBody>
+      </p:sp>
+      <p:cxnSp>
+        <p:nvCxnSpPr>
+          <p:cNvPr id="17" name="직선 연결선[R] 16">
+            <a:extLst>
+              <a:ext uri="{FF2B5EF4-FFF2-40B4-BE49-F238E27FC236}">
+                <a16:creationId xmlns:a16="http://schemas.microsoft.com/office/drawing/2014/main" id="{2A05DBC0-2041-2E18-F746-E76F7376D69D}"/>
+              </a:ext>
+            </a:extLst>
+          </p:cNvPr>
+          <p:cNvCxnSpPr>
+            <a:stCxn id="5" idx="7"/>
+            <a:endCxn id="4" idx="2"/>
+          </p:cNvCxnSpPr>
+          <p:nvPr/>
+        </p:nvCxnSpPr>
+        <p:spPr>
+          <a:xfrm flipV="1">
+            <a:off x="4300139" y="862584"/>
+            <a:ext cx="817453" cy="419689"/>
+          </a:xfrm>
+          <a:prstGeom prst="line">
+            <a:avLst/>
+          </a:prstGeom>
+        </p:spPr>
+        <p:style>
+          <a:lnRef idx="1">
+            <a:schemeClr val="accent1"/>
+          </a:lnRef>
+          <a:fillRef idx="0">
+            <a:schemeClr val="accent1"/>
+          </a:fillRef>
+          <a:effectRef idx="0">
+            <a:schemeClr val="accent1"/>
+          </a:effectRef>
+          <a:fontRef idx="minor">
+            <a:schemeClr val="tx1"/>
+          </a:fontRef>
+        </p:style>
+      </p:cxnSp>
+      <p:cxnSp>
+        <p:nvCxnSpPr>
+          <p:cNvPr id="20" name="직선 연결선[R] 19">
+            <a:extLst>
+              <a:ext uri="{FF2B5EF4-FFF2-40B4-BE49-F238E27FC236}">
+                <a16:creationId xmlns:a16="http://schemas.microsoft.com/office/drawing/2014/main" id="{AEAC8DAC-31C5-9AF9-9ECD-7A9DEBBFE480}"/>
+              </a:ext>
+            </a:extLst>
+          </p:cNvPr>
+          <p:cNvCxnSpPr>
+            <a:stCxn id="7" idx="1"/>
+            <a:endCxn id="4" idx="6"/>
+          </p:cNvCxnSpPr>
+          <p:nvPr/>
+        </p:nvCxnSpPr>
+        <p:spPr>
+          <a:xfrm flipH="1" flipV="1">
+            <a:off x="5766816" y="862584"/>
+            <a:ext cx="817453" cy="419689"/>
+          </a:xfrm>
+          <a:prstGeom prst="line">
+            <a:avLst/>
+          </a:prstGeom>
+        </p:spPr>
+        <p:style>
+          <a:lnRef idx="1">
+            <a:schemeClr val="accent1"/>
+          </a:lnRef>
+          <a:fillRef idx="0">
+            <a:schemeClr val="accent1"/>
+          </a:fillRef>
+          <a:effectRef idx="0">
+            <a:schemeClr val="accent1"/>
+          </a:effectRef>
+          <a:fontRef idx="minor">
+            <a:schemeClr val="tx1"/>
+          </a:fontRef>
+        </p:style>
+      </p:cxnSp>
+      <p:cxnSp>
+        <p:nvCxnSpPr>
+          <p:cNvPr id="22" name="직선 연결선[R] 21">
+            <a:extLst>
+              <a:ext uri="{FF2B5EF4-FFF2-40B4-BE49-F238E27FC236}">
+                <a16:creationId xmlns:a16="http://schemas.microsoft.com/office/drawing/2014/main" id="{4B71BE2E-88AB-9E67-583A-1BFA0EBFCA22}"/>
+              </a:ext>
+            </a:extLst>
+          </p:cNvPr>
+          <p:cNvCxnSpPr>
+            <a:stCxn id="6" idx="0"/>
+            <a:endCxn id="5" idx="3"/>
+          </p:cNvCxnSpPr>
+          <p:nvPr/>
+        </p:nvCxnSpPr>
+        <p:spPr>
+          <a:xfrm flipV="1">
+            <a:off x="3421380" y="1741343"/>
+            <a:ext cx="419689" cy="631525"/>
+          </a:xfrm>
+          <a:prstGeom prst="line">
+            <a:avLst/>
+          </a:prstGeom>
+        </p:spPr>
+        <p:style>
+          <a:lnRef idx="1">
+            <a:schemeClr val="accent1"/>
+          </a:lnRef>
+          <a:fillRef idx="0">
+            <a:schemeClr val="accent1"/>
+          </a:fillRef>
+          <a:effectRef idx="0">
+            <a:schemeClr val="accent1"/>
+          </a:effectRef>
+          <a:fontRef idx="minor">
+            <a:schemeClr val="tx1"/>
+          </a:fontRef>
+        </p:style>
+      </p:cxnSp>
+      <p:cxnSp>
+        <p:nvCxnSpPr>
+          <p:cNvPr id="24" name="직선 연결선[R] 23">
+            <a:extLst>
+              <a:ext uri="{FF2B5EF4-FFF2-40B4-BE49-F238E27FC236}">
+                <a16:creationId xmlns:a16="http://schemas.microsoft.com/office/drawing/2014/main" id="{F30DE182-D1B0-4FC1-8568-0906C8FE1BB8}"/>
+              </a:ext>
+            </a:extLst>
+          </p:cNvPr>
+          <p:cNvCxnSpPr>
+            <a:stCxn id="9" idx="0"/>
+            <a:endCxn id="5" idx="5"/>
+          </p:cNvCxnSpPr>
+          <p:nvPr/>
+        </p:nvCxnSpPr>
+        <p:spPr>
+          <a:xfrm flipH="1" flipV="1">
+            <a:off x="4300139" y="1741343"/>
+            <a:ext cx="419689" cy="631525"/>
+          </a:xfrm>
+          <a:prstGeom prst="line">
+            <a:avLst/>
+          </a:prstGeom>
+        </p:spPr>
+        <p:style>
+          <a:lnRef idx="1">
+            <a:schemeClr val="accent1"/>
+          </a:lnRef>
+          <a:fillRef idx="0">
+            <a:schemeClr val="accent1"/>
+          </a:fillRef>
+          <a:effectRef idx="0">
+            <a:schemeClr val="accent1"/>
+          </a:effectRef>
+          <a:fontRef idx="minor">
+            <a:schemeClr val="tx1"/>
+          </a:fontRef>
+        </p:style>
+      </p:cxnSp>
+      <p:cxnSp>
+        <p:nvCxnSpPr>
+          <p:cNvPr id="26" name="직선 연결선[R] 25">
+            <a:extLst>
+              <a:ext uri="{FF2B5EF4-FFF2-40B4-BE49-F238E27FC236}">
+                <a16:creationId xmlns:a16="http://schemas.microsoft.com/office/drawing/2014/main" id="{CEF76726-D310-7997-A2A2-DFD018F70C86}"/>
+              </a:ext>
+            </a:extLst>
+          </p:cNvPr>
+          <p:cNvCxnSpPr>
+            <a:stCxn id="10" idx="0"/>
+            <a:endCxn id="7" idx="3"/>
+          </p:cNvCxnSpPr>
+          <p:nvPr/>
+        </p:nvCxnSpPr>
+        <p:spPr>
+          <a:xfrm flipV="1">
+            <a:off x="6252972" y="1741343"/>
+            <a:ext cx="331297" cy="631525"/>
+          </a:xfrm>
+          <a:prstGeom prst="line">
+            <a:avLst/>
+          </a:prstGeom>
+        </p:spPr>
+        <p:style>
+          <a:lnRef idx="1">
+            <a:schemeClr val="accent1"/>
+          </a:lnRef>
+          <a:fillRef idx="0">
+            <a:schemeClr val="accent1"/>
+          </a:fillRef>
+          <a:effectRef idx="0">
+            <a:schemeClr val="accent1"/>
+          </a:effectRef>
+          <a:fontRef idx="minor">
+            <a:schemeClr val="tx1"/>
+          </a:fontRef>
+        </p:style>
+      </p:cxnSp>
+      <p:cxnSp>
+        <p:nvCxnSpPr>
+          <p:cNvPr id="28" name="직선 연결선[R] 27">
+            <a:extLst>
+              <a:ext uri="{FF2B5EF4-FFF2-40B4-BE49-F238E27FC236}">
+                <a16:creationId xmlns:a16="http://schemas.microsoft.com/office/drawing/2014/main" id="{C00A49F3-C792-B771-9878-64F26FF3986F}"/>
+              </a:ext>
+            </a:extLst>
+          </p:cNvPr>
+          <p:cNvCxnSpPr>
+            <a:stCxn id="12" idx="0"/>
+            <a:endCxn id="7" idx="5"/>
+          </p:cNvCxnSpPr>
+          <p:nvPr/>
+        </p:nvCxnSpPr>
+        <p:spPr>
+          <a:xfrm flipH="1" flipV="1">
+            <a:off x="7043339" y="1741343"/>
+            <a:ext cx="508081" cy="631525"/>
+          </a:xfrm>
+          <a:prstGeom prst="line">
+            <a:avLst/>
+          </a:prstGeom>
+        </p:spPr>
+        <p:style>
+          <a:lnRef idx="1">
+            <a:schemeClr val="accent1"/>
+          </a:lnRef>
+          <a:fillRef idx="0">
+            <a:schemeClr val="accent1"/>
+          </a:fillRef>
+          <a:effectRef idx="0">
+            <a:schemeClr val="accent1"/>
+          </a:effectRef>
+          <a:fontRef idx="minor">
+            <a:schemeClr val="tx1"/>
+          </a:fontRef>
+        </p:style>
+      </p:cxnSp>
+      <p:cxnSp>
+        <p:nvCxnSpPr>
+          <p:cNvPr id="31" name="직선 연결선[R] 30">
+            <a:extLst>
+              <a:ext uri="{FF2B5EF4-FFF2-40B4-BE49-F238E27FC236}">
+                <a16:creationId xmlns:a16="http://schemas.microsoft.com/office/drawing/2014/main" id="{E101BA46-D7BA-6544-2778-D6A50AB0852C}"/>
+              </a:ext>
+            </a:extLst>
+          </p:cNvPr>
+          <p:cNvCxnSpPr>
+            <a:stCxn id="14" idx="0"/>
+            <a:endCxn id="6" idx="3"/>
+          </p:cNvCxnSpPr>
+          <p:nvPr/>
+        </p:nvCxnSpPr>
+        <p:spPr>
+          <a:xfrm flipV="1">
+            <a:off x="2772156" y="2927015"/>
+            <a:ext cx="419689" cy="561421"/>
+          </a:xfrm>
+          <a:prstGeom prst="line">
+            <a:avLst/>
+          </a:prstGeom>
+        </p:spPr>
+        <p:style>
+          <a:lnRef idx="1">
+            <a:schemeClr val="accent1"/>
+          </a:lnRef>
+          <a:fillRef idx="0">
+            <a:schemeClr val="accent1"/>
+          </a:fillRef>
+          <a:effectRef idx="0">
+            <a:schemeClr val="accent1"/>
+          </a:effectRef>
+          <a:fontRef idx="minor">
+            <a:schemeClr val="tx1"/>
+          </a:fontRef>
+        </p:style>
+      </p:cxnSp>
+      <p:cxnSp>
+        <p:nvCxnSpPr>
+          <p:cNvPr id="33" name="직선 연결선[R] 32">
+            <a:extLst>
+              <a:ext uri="{FF2B5EF4-FFF2-40B4-BE49-F238E27FC236}">
+                <a16:creationId xmlns:a16="http://schemas.microsoft.com/office/drawing/2014/main" id="{29AAFCCB-E8AC-6A97-B3B7-337912A5BBF9}"/>
+              </a:ext>
+            </a:extLst>
+          </p:cNvPr>
+          <p:cNvCxnSpPr>
+            <a:stCxn id="11" idx="0"/>
+            <a:endCxn id="6" idx="5"/>
+          </p:cNvCxnSpPr>
+          <p:nvPr/>
+        </p:nvCxnSpPr>
+        <p:spPr>
+          <a:xfrm flipH="1" flipV="1">
+            <a:off x="3650915" y="2927015"/>
+            <a:ext cx="143845" cy="556849"/>
+          </a:xfrm>
+          <a:prstGeom prst="line">
+            <a:avLst/>
+          </a:prstGeom>
+        </p:spPr>
+        <p:style>
+          <a:lnRef idx="1">
+            <a:schemeClr val="accent1"/>
+          </a:lnRef>
+          <a:fillRef idx="0">
+            <a:schemeClr val="accent1"/>
+          </a:fillRef>
+          <a:effectRef idx="0">
+            <a:schemeClr val="accent1"/>
+          </a:effectRef>
+          <a:fontRef idx="minor">
+            <a:schemeClr val="tx1"/>
+          </a:fontRef>
+        </p:style>
+      </p:cxnSp>
+      <p:cxnSp>
+        <p:nvCxnSpPr>
+          <p:cNvPr id="35" name="직선 연결선[R] 34">
+            <a:extLst>
+              <a:ext uri="{FF2B5EF4-FFF2-40B4-BE49-F238E27FC236}">
+                <a16:creationId xmlns:a16="http://schemas.microsoft.com/office/drawing/2014/main" id="{750687AB-AD40-78FD-3317-F816F006D0B0}"/>
+              </a:ext>
+            </a:extLst>
+          </p:cNvPr>
+          <p:cNvCxnSpPr>
+            <a:stCxn id="13" idx="0"/>
+            <a:endCxn id="9" idx="4"/>
+          </p:cNvCxnSpPr>
+          <p:nvPr/>
+        </p:nvCxnSpPr>
+        <p:spPr>
+          <a:xfrm flipV="1">
+            <a:off x="4719828" y="3022092"/>
+            <a:ext cx="0" cy="466344"/>
+          </a:xfrm>
+          <a:prstGeom prst="line">
+            <a:avLst/>
+          </a:prstGeom>
+        </p:spPr>
+        <p:style>
+          <a:lnRef idx="1">
+            <a:schemeClr val="accent1"/>
+          </a:lnRef>
+          <a:fillRef idx="0">
+            <a:schemeClr val="accent1"/>
+          </a:fillRef>
+          <a:effectRef idx="0">
+            <a:schemeClr val="accent1"/>
+          </a:effectRef>
+          <a:fontRef idx="minor">
+            <a:schemeClr val="tx1"/>
+          </a:fontRef>
+        </p:style>
+      </p:cxnSp>
+      <p:cxnSp>
+        <p:nvCxnSpPr>
+          <p:cNvPr id="37" name="직선 연결선[R] 36">
+            <a:extLst>
+              <a:ext uri="{FF2B5EF4-FFF2-40B4-BE49-F238E27FC236}">
+                <a16:creationId xmlns:a16="http://schemas.microsoft.com/office/drawing/2014/main" id="{AB106018-2975-05F4-2361-7ECB41B7063E}"/>
+              </a:ext>
+            </a:extLst>
+          </p:cNvPr>
+          <p:cNvCxnSpPr>
+            <a:stCxn id="15" idx="0"/>
+            <a:endCxn id="10" idx="4"/>
+          </p:cNvCxnSpPr>
+          <p:nvPr/>
+        </p:nvCxnSpPr>
+        <p:spPr>
+          <a:xfrm flipV="1">
+            <a:off x="6252972" y="3022092"/>
+            <a:ext cx="0" cy="466344"/>
+          </a:xfrm>
+          <a:prstGeom prst="line">
+            <a:avLst/>
+          </a:prstGeom>
+        </p:spPr>
+        <p:style>
+          <a:lnRef idx="1">
+            <a:schemeClr val="accent1"/>
+          </a:lnRef>
+          <a:fillRef idx="0">
+            <a:schemeClr val="accent1"/>
+          </a:fillRef>
+          <a:effectRef idx="0">
+            <a:schemeClr val="accent1"/>
+          </a:effectRef>
+          <a:fontRef idx="minor">
+            <a:schemeClr val="tx1"/>
+          </a:fontRef>
+        </p:style>
+      </p:cxnSp>
+      <p:cxnSp>
+        <p:nvCxnSpPr>
+          <p:cNvPr id="39" name="직선 연결선[R] 38">
+            <a:extLst>
+              <a:ext uri="{FF2B5EF4-FFF2-40B4-BE49-F238E27FC236}">
+                <a16:creationId xmlns:a16="http://schemas.microsoft.com/office/drawing/2014/main" id="{29D28841-74DD-D552-E726-F023367480CC}"/>
+              </a:ext>
+            </a:extLst>
+          </p:cNvPr>
+          <p:cNvCxnSpPr>
+            <a:stCxn id="8" idx="0"/>
+            <a:endCxn id="12" idx="4"/>
+          </p:cNvCxnSpPr>
+          <p:nvPr/>
+        </p:nvCxnSpPr>
+        <p:spPr>
+          <a:xfrm flipV="1">
+            <a:off x="7551420" y="3022092"/>
+            <a:ext cx="0" cy="466344"/>
+          </a:xfrm>
+          <a:prstGeom prst="line">
+            <a:avLst/>
+          </a:prstGeom>
+        </p:spPr>
+        <p:style>
+          <a:lnRef idx="1">
+            <a:schemeClr val="accent1"/>
+          </a:lnRef>
+          <a:fillRef idx="0">
+            <a:schemeClr val="accent1"/>
+          </a:fillRef>
+          <a:effectRef idx="0">
+            <a:schemeClr val="accent1"/>
+          </a:effectRef>
+          <a:fontRef idx="minor">
+            <a:schemeClr val="tx1"/>
+          </a:fontRef>
+        </p:style>
+      </p:cxnSp>
+      <p:sp>
+        <p:nvSpPr>
+          <p:cNvPr id="41" name="TextBox 40">
+            <a:extLst>
+              <a:ext uri="{FF2B5EF4-FFF2-40B4-BE49-F238E27FC236}">
+                <a16:creationId xmlns:a16="http://schemas.microsoft.com/office/drawing/2014/main" id="{AED4E11A-3A87-6CFA-C0FC-787D965C31FF}"/>
               </a:ext>
             </a:extLst>
           </p:cNvPr>
@@ -6780,8 +6228,8 @@
         </p:nvSpPr>
         <p:spPr>
           <a:xfrm>
-            <a:off x="3880757" y="500743"/>
-            <a:ext cx="4430486" cy="707886"/>
+            <a:off x="1926336" y="4669536"/>
+            <a:ext cx="9125712" cy="369332"/>
           </a:xfrm>
           <a:prstGeom prst="rect">
             <a:avLst/>
@@ -6794,21 +6242,76 @@
           </a:bodyPr>
           <a:lstStyle/>
           <a:p>
-            <a:pPr algn="ctr"/>
-            <a:r>
-              <a:rPr kumimoji="1" lang="en-US" altLang="ko-KR" sz="4000" dirty="0"/>
-              <a:t>Back Tracking</a:t>
-            </a:r>
-            <a:endParaRPr kumimoji="1" lang="ko-KR" altLang="en-US" sz="4000" dirty="0"/>
-          </a:p>
-        </p:txBody>
-      </p:sp>
-      <p:sp>
-        <p:nvSpPr>
-          <p:cNvPr id="8" name="TextBox 7">
-            <a:extLst>
-              <a:ext uri="{FF2B5EF4-FFF2-40B4-BE49-F238E27FC236}">
-                <a16:creationId xmlns:a16="http://schemas.microsoft.com/office/drawing/2014/main" id="{4E4EFE56-E7B0-011F-E987-D81B5E044C69}"/>
+            <a:r>
+              <a:rPr kumimoji="1" lang="en-US" altLang="ko-KR" dirty="0"/>
+              <a:t>Brute Force : A – B – </a:t>
+            </a:r>
+            <a:r>
+              <a:rPr kumimoji="1" lang="ko-KR" altLang="en-US" dirty="0"/>
+              <a:t>가 </a:t>
+            </a:r>
+            <a:r>
+              <a:rPr kumimoji="1" lang="en-US" altLang="ko-KR" dirty="0"/>
+              <a:t>–</a:t>
+            </a:r>
+            <a:r>
+              <a:rPr kumimoji="1" lang="ko-KR" altLang="en-US" dirty="0"/>
+              <a:t> 나 </a:t>
+            </a:r>
+            <a:r>
+              <a:rPr kumimoji="1" lang="en-US" altLang="ko-KR" dirty="0"/>
+              <a:t>–</a:t>
+            </a:r>
+            <a:r>
+              <a:rPr kumimoji="1" lang="ko-KR" altLang="en-US" dirty="0"/>
+              <a:t> 다 </a:t>
+            </a:r>
+            <a:r>
+              <a:rPr kumimoji="1" lang="en-US" altLang="ko-KR" dirty="0"/>
+              <a:t>–</a:t>
+            </a:r>
+            <a:r>
+              <a:rPr kumimoji="1" lang="ko-KR" altLang="en-US" dirty="0"/>
+              <a:t> </a:t>
+            </a:r>
+            <a:r>
+              <a:rPr kumimoji="1" lang="en-US" altLang="ko-KR" dirty="0"/>
+              <a:t>D – E – C</a:t>
+            </a:r>
+            <a:r>
+              <a:rPr kumimoji="1" lang="ko-KR" altLang="en-US" dirty="0"/>
+              <a:t> </a:t>
+            </a:r>
+            <a:r>
+              <a:rPr kumimoji="1" lang="en-US" altLang="ko-KR" dirty="0"/>
+              <a:t>–</a:t>
+            </a:r>
+            <a:r>
+              <a:rPr kumimoji="1" lang="ko-KR" altLang="en-US" dirty="0"/>
+              <a:t> 라 </a:t>
+            </a:r>
+            <a:r>
+              <a:rPr kumimoji="1" lang="en-US" altLang="ko-KR" dirty="0"/>
+              <a:t>–</a:t>
+            </a:r>
+            <a:r>
+              <a:rPr kumimoji="1" lang="ko-KR" altLang="en-US" dirty="0"/>
+              <a:t> 마 </a:t>
+            </a:r>
+            <a:r>
+              <a:rPr kumimoji="1" lang="en-US" altLang="ko-KR" dirty="0"/>
+              <a:t>– G - H</a:t>
+            </a:r>
+            <a:endParaRPr kumimoji="1" lang="ko-KR" altLang="en-US" dirty="0"/>
+          </a:p>
+        </p:txBody>
+      </p:sp>
+      <p:sp>
+        <p:nvSpPr>
+          <p:cNvPr id="42" name="TextBox 41">
+            <a:extLst>
+              <a:ext uri="{FF2B5EF4-FFF2-40B4-BE49-F238E27FC236}">
+                <a16:creationId xmlns:a16="http://schemas.microsoft.com/office/drawing/2014/main" id="{BE4DDD52-BBAF-2B5A-4756-82C3123B414C}"/>
               </a:ext>
             </a:extLst>
           </p:cNvPr>
@@ -6817,8 +6320,8 @@
         </p:nvSpPr>
         <p:spPr>
           <a:xfrm>
-            <a:off x="2464622" y="1992405"/>
-            <a:ext cx="7262756" cy="2646878"/>
+            <a:off x="3029712" y="5351764"/>
+            <a:ext cx="7095744" cy="369332"/>
           </a:xfrm>
           <a:prstGeom prst="rect">
             <a:avLst/>
@@ -6833,104 +6336,146 @@
           <a:p>
             <a:r>
               <a:rPr kumimoji="1" lang="en-US" altLang="ko-KR" dirty="0"/>
-              <a:t>Solving problems </a:t>
-            </a:r>
-            <a:r>
-              <a:rPr kumimoji="1" lang="en-US" altLang="ko-KR" dirty="0">
-                <a:ln w="0"/>
-                <a:solidFill>
-                  <a:schemeClr val="accent2"/>
-                </a:solidFill>
-                <a:effectLst>
-                  <a:outerShdw blurRad="38100" dist="25400" dir="5400000" algn="ctr" rotWithShape="0">
-                    <a:srgbClr val="6E747A">
-                      <a:alpha val="43000"/>
-                    </a:srgbClr>
-                  </a:outerShdw>
-                </a:effectLst>
-              </a:rPr>
-              <a:t>recursively</a:t>
-            </a:r>
-            <a:r>
-              <a:rPr kumimoji="1" lang="en-US" altLang="ko-KR" dirty="0"/>
-              <a:t> to build a solution </a:t>
-            </a:r>
-            <a:r>
-              <a:rPr kumimoji="1" lang="en-US" altLang="ko-KR" dirty="0">
-                <a:solidFill>
-                  <a:schemeClr val="accent2"/>
-                </a:solidFill>
-              </a:rPr>
-              <a:t>incrementally</a:t>
-            </a:r>
-            <a:r>
-              <a:rPr kumimoji="1" lang="en-US" altLang="ko-KR" dirty="0"/>
-              <a:t>, one piece at a time</a:t>
-            </a:r>
-          </a:p>
-          <a:p>
-            <a:r>
-              <a:rPr kumimoji="1" lang="en-US" altLang="ko-KR" sz="2000" dirty="0"/>
-              <a:t>-&gt; Brute Force Mechanism</a:t>
-            </a:r>
-          </a:p>
-          <a:p>
-            <a:endParaRPr kumimoji="1" lang="en-US" altLang="ko-KR" dirty="0"/>
-          </a:p>
-          <a:p>
-            <a:endParaRPr kumimoji="1" lang="en-US" altLang="ko-KR" dirty="0"/>
-          </a:p>
-          <a:p>
-            <a:endParaRPr kumimoji="1" lang="en-US" altLang="ko-KR" dirty="0"/>
-          </a:p>
-          <a:p>
-            <a:endParaRPr kumimoji="1" lang="en-US" altLang="ko-KR" dirty="0"/>
-          </a:p>
-          <a:p>
-            <a:r>
-              <a:rPr kumimoji="1" lang="en-US" altLang="ko-KR" dirty="0">
-                <a:ln>
-                  <a:solidFill>
-                    <a:schemeClr val="accent2"/>
-                  </a:solidFill>
-                </a:ln>
-                <a:solidFill>
-                  <a:schemeClr val="accent2"/>
-                </a:solidFill>
-              </a:rPr>
-              <a:t>Remove</a:t>
-            </a:r>
-            <a:r>
-              <a:rPr kumimoji="1" lang="en-US" altLang="ko-KR" dirty="0"/>
-              <a:t> solutions that fail to satisfy constraints of the problem</a:t>
-            </a:r>
-          </a:p>
-          <a:p>
-            <a:r>
-              <a:rPr kumimoji="1" lang="en-US" altLang="ko-KR" sz="2000" dirty="0"/>
-              <a:t>-&gt; Brute Force </a:t>
-            </a:r>
-            <a:r>
-              <a:rPr kumimoji="1" lang="en-US" altLang="ko-KR" sz="2000" dirty="0">
-                <a:solidFill>
-                  <a:schemeClr val="accent2"/>
-                </a:solidFill>
-              </a:rPr>
-              <a:t>with if-else conditions</a:t>
-            </a:r>
+              <a:t>Back Tracking : A – B – D – E – C – G - H</a:t>
+            </a:r>
+            <a:endParaRPr kumimoji="1" lang="ko-KR" altLang="en-US" dirty="0"/>
           </a:p>
         </p:txBody>
       </p:sp>
     </p:spTree>
     <p:extLst>
       <p:ext uri="{BB962C8B-B14F-4D97-AF65-F5344CB8AC3E}">
-        <p14:creationId xmlns:p14="http://schemas.microsoft.com/office/powerpoint/2010/main" val="2747905098"/>
+        <p14:creationId xmlns:p14="http://schemas.microsoft.com/office/powerpoint/2010/main" val="3094265736"/>
       </p:ext>
     </p:extLst>
   </p:cSld>
   <p:clrMapOvr>
     <a:masterClrMapping/>
   </p:clrMapOvr>
+  <p:timing>
+    <p:tnLst>
+      <p:par>
+        <p:cTn id="1" dur="indefinite" restart="never" nodeType="tmRoot">
+          <p:childTnLst>
+            <p:seq concurrent="1" nextAc="seek">
+              <p:cTn id="2" dur="indefinite" nodeType="mainSeq">
+                <p:childTnLst>
+                  <p:par>
+                    <p:cTn id="3" fill="hold">
+                      <p:stCondLst>
+                        <p:cond delay="indefinite"/>
+                      </p:stCondLst>
+                      <p:childTnLst>
+                        <p:par>
+                          <p:cTn id="4" fill="hold">
+                            <p:stCondLst>
+                              <p:cond delay="0"/>
+                            </p:stCondLst>
+                            <p:childTnLst>
+                              <p:par>
+                                <p:cTn id="5" presetID="1" presetClass="entr" presetSubtype="0" fill="hold" grpId="0" nodeType="clickEffect">
+                                  <p:stCondLst>
+                                    <p:cond delay="0"/>
+                                  </p:stCondLst>
+                                  <p:childTnLst>
+                                    <p:set>
+                                      <p:cBhvr>
+                                        <p:cTn id="6" dur="1" fill="hold">
+                                          <p:stCondLst>
+                                            <p:cond delay="0"/>
+                                          </p:stCondLst>
+                                        </p:cTn>
+                                        <p:tgtEl>
+                                          <p:spTgt spid="41"/>
+                                        </p:tgtEl>
+                                        <p:attrNameLst>
+                                          <p:attrName>style.visibility</p:attrName>
+                                        </p:attrNameLst>
+                                      </p:cBhvr>
+                                      <p:to>
+                                        <p:strVal val="visible"/>
+                                      </p:to>
+                                    </p:set>
+                                  </p:childTnLst>
+                                </p:cTn>
+                              </p:par>
+                            </p:childTnLst>
+                          </p:cTn>
+                        </p:par>
+                      </p:childTnLst>
+                    </p:cTn>
+                  </p:par>
+                  <p:par>
+                    <p:cTn id="7" fill="hold">
+                      <p:stCondLst>
+                        <p:cond delay="indefinite"/>
+                      </p:stCondLst>
+                      <p:childTnLst>
+                        <p:par>
+                          <p:cTn id="8" fill="hold">
+                            <p:stCondLst>
+                              <p:cond delay="0"/>
+                            </p:stCondLst>
+                            <p:childTnLst>
+                              <p:par>
+                                <p:cTn id="9" presetID="1" presetClass="entr" presetSubtype="0" fill="hold" grpId="0" nodeType="clickEffect">
+                                  <p:stCondLst>
+                                    <p:cond delay="0"/>
+                                  </p:stCondLst>
+                                  <p:childTnLst>
+                                    <p:set>
+                                      <p:cBhvr>
+                                        <p:cTn id="10" dur="1" fill="hold">
+                                          <p:stCondLst>
+                                            <p:cond delay="0"/>
+                                          </p:stCondLst>
+                                        </p:cTn>
+                                        <p:tgtEl>
+                                          <p:spTgt spid="42"/>
+                                        </p:tgtEl>
+                                        <p:attrNameLst>
+                                          <p:attrName>style.visibility</p:attrName>
+                                        </p:attrNameLst>
+                                      </p:cBhvr>
+                                      <p:to>
+                                        <p:strVal val="visible"/>
+                                      </p:to>
+                                    </p:set>
+                                  </p:childTnLst>
+                                </p:cTn>
+                              </p:par>
+                            </p:childTnLst>
+                          </p:cTn>
+                        </p:par>
+                      </p:childTnLst>
+                    </p:cTn>
+                  </p:par>
+                </p:childTnLst>
+              </p:cTn>
+              <p:prevCondLst>
+                <p:cond evt="onPrev" delay="0">
+                  <p:tgtEl>
+                    <p:sldTgt/>
+                  </p:tgtEl>
+                </p:cond>
+              </p:prevCondLst>
+              <p:nextCondLst>
+                <p:cond evt="onNext" delay="0">
+                  <p:tgtEl>
+                    <p:sldTgt/>
+                  </p:tgtEl>
+                </p:cond>
+              </p:nextCondLst>
+            </p:seq>
+          </p:childTnLst>
+        </p:cTn>
+      </p:par>
+    </p:tnLst>
+    <p:bldLst>
+      <p:bldP spid="41" grpId="0"/>
+      <p:bldP spid="42" grpId="0"/>
+    </p:bldLst>
+  </p:timing>
 </p:sld>
 </file>
 
@@ -6953,222 +6498,202 @@
       </p:grpSpPr>
       <p:sp>
         <p:nvSpPr>
-          <p:cNvPr id="2" name="제목 1">
-            <a:extLst>
-              <a:ext uri="{FF2B5EF4-FFF2-40B4-BE49-F238E27FC236}">
-                <a16:creationId xmlns:a16="http://schemas.microsoft.com/office/drawing/2014/main" id="{65DB84FE-73B6-4E75-2103-A5C111A1886E}"/>
-              </a:ext>
-            </a:extLst>
-          </p:cNvPr>
-          <p:cNvSpPr>
-            <a:spLocks noGrp="1"/>
-          </p:cNvSpPr>
-          <p:nvPr>
-            <p:ph type="title"/>
-          </p:nvPr>
+          <p:cNvPr id="4" name="TextBox 3">
+            <a:extLst>
+              <a:ext uri="{FF2B5EF4-FFF2-40B4-BE49-F238E27FC236}">
+                <a16:creationId xmlns:a16="http://schemas.microsoft.com/office/drawing/2014/main" id="{FFC900A0-8C8F-C5E6-E771-38BD3E10C60F}"/>
+              </a:ext>
+            </a:extLst>
+          </p:cNvPr>
+          <p:cNvSpPr txBox="1"/>
+          <p:nvPr/>
         </p:nvSpPr>
         <p:spPr>
           <a:xfrm>
-            <a:off x="838200" y="365126"/>
-            <a:ext cx="10515600" cy="818216"/>
-          </a:xfrm>
-        </p:spPr>
-        <p:txBody>
-          <a:bodyPr/>
+            <a:off x="3880757" y="500743"/>
+            <a:ext cx="4430486" cy="707886"/>
+          </a:xfrm>
+          <a:prstGeom prst="rect">
+            <a:avLst/>
+          </a:prstGeom>
+          <a:noFill/>
+        </p:spPr>
+        <p:txBody>
+          <a:bodyPr wrap="square" rtlCol="0">
+            <a:spAutoFit/>
+          </a:bodyPr>
+          <a:lstStyle/>
+          <a:p>
+            <a:pPr algn="ctr"/>
+            <a:r>
+              <a:rPr kumimoji="1" lang="en-US" altLang="ko-KR" sz="4000" dirty="0"/>
+              <a:t>Back Tracking</a:t>
+            </a:r>
+            <a:endParaRPr kumimoji="1" lang="ko-KR" altLang="en-US" sz="4000" dirty="0"/>
+          </a:p>
+        </p:txBody>
+      </p:sp>
+      <p:sp>
+        <p:nvSpPr>
+          <p:cNvPr id="8" name="TextBox 7">
+            <a:extLst>
+              <a:ext uri="{FF2B5EF4-FFF2-40B4-BE49-F238E27FC236}">
+                <a16:creationId xmlns:a16="http://schemas.microsoft.com/office/drawing/2014/main" id="{4E4EFE56-E7B0-011F-E987-D81B5E044C69}"/>
+              </a:ext>
+            </a:extLst>
+          </p:cNvPr>
+          <p:cNvSpPr txBox="1"/>
+          <p:nvPr/>
+        </p:nvSpPr>
+        <p:spPr>
+          <a:xfrm>
+            <a:off x="2464622" y="1992405"/>
+            <a:ext cx="7262756" cy="2646878"/>
+          </a:xfrm>
+          <a:prstGeom prst="rect">
+            <a:avLst/>
+          </a:prstGeom>
+          <a:noFill/>
+        </p:spPr>
+        <p:txBody>
+          <a:bodyPr wrap="square" rtlCol="0">
+            <a:spAutoFit/>
+          </a:bodyPr>
           <a:lstStyle/>
           <a:p>
             <a:r>
               <a:rPr kumimoji="1" lang="en-US" altLang="ko-KR" dirty="0"/>
-              <a:t>Basic design</a:t>
-            </a:r>
-            <a:endParaRPr kumimoji="1" lang="ko-KR" altLang="en-US" dirty="0"/>
-          </a:p>
-        </p:txBody>
-      </p:sp>
-      <p:sp>
-        <p:nvSpPr>
-          <p:cNvPr id="3" name="내용 개체 틀 2">
-            <a:extLst>
-              <a:ext uri="{FF2B5EF4-FFF2-40B4-BE49-F238E27FC236}">
-                <a16:creationId xmlns:a16="http://schemas.microsoft.com/office/drawing/2014/main" id="{936BF70E-274C-5AFA-3C75-87CD2E2D3C84}"/>
-              </a:ext>
-            </a:extLst>
-          </p:cNvPr>
-          <p:cNvSpPr>
-            <a:spLocks noGrp="1"/>
-          </p:cNvSpPr>
-          <p:nvPr>
-            <p:ph idx="1"/>
-          </p:nvPr>
-        </p:nvSpPr>
-        <p:spPr/>
-        <p:txBody>
-          <a:bodyPr>
-            <a:normAutofit lnSpcReduction="10000"/>
-          </a:bodyPr>
-          <a:lstStyle/>
-          <a:p>
-            <a:pPr marL="514350" indent="-514350">
-              <a:buAutoNum type="arabicPeriod"/>
-            </a:pPr>
+              <a:t>Solving problems </a:t>
+            </a:r>
+            <a:r>
+              <a:rPr kumimoji="1" lang="en-US" altLang="ko-KR" dirty="0">
+                <a:ln w="0"/>
+                <a:solidFill>
+                  <a:schemeClr val="accent2"/>
+                </a:solidFill>
+                <a:effectLst>
+                  <a:outerShdw blurRad="38100" dist="25400" dir="5400000" algn="ctr" rotWithShape="0">
+                    <a:srgbClr val="6E747A">
+                      <a:alpha val="43000"/>
+                    </a:srgbClr>
+                  </a:outerShdw>
+                </a:effectLst>
+              </a:rPr>
+              <a:t>recursively</a:t>
+            </a:r>
             <a:r>
               <a:rPr kumimoji="1" lang="en-US" altLang="ko-KR" dirty="0"/>
-              <a:t>Base Condition</a:t>
-            </a:r>
-          </a:p>
-          <a:p>
-            <a:pPr marL="0" indent="0">
-              <a:buNone/>
-            </a:pPr>
-            <a:r>
-              <a:rPr kumimoji="1" lang="ko-KR" altLang="en-US" dirty="0"/>
-              <a:t>    원하는 깊이나 값에 도달하면 반환 </a:t>
-            </a:r>
-            <a:r>
-              <a:rPr kumimoji="1" lang="en-US" altLang="ko-KR" dirty="0"/>
-              <a:t>or </a:t>
-            </a:r>
-            <a:r>
-              <a:rPr kumimoji="1" lang="ko-KR" altLang="en-US" dirty="0"/>
-              <a:t>저장하고 </a:t>
-            </a:r>
-            <a:r>
-              <a:rPr kumimoji="1" lang="ko-KR" altLang="en-US" dirty="0" err="1">
+              <a:t> to build a solution </a:t>
+            </a:r>
+            <a:r>
+              <a:rPr kumimoji="1" lang="en-US" altLang="ko-KR" dirty="0">
                 <a:solidFill>
                   <a:schemeClr val="accent2"/>
                 </a:solidFill>
               </a:rPr>
-              <a:t>돌아감</a:t>
-            </a:r>
-            <a:endParaRPr kumimoji="1" lang="en-US" altLang="ko-KR" dirty="0">
-              <a:solidFill>
-                <a:schemeClr val="accent2"/>
-              </a:solidFill>
-            </a:endParaRPr>
-          </a:p>
-          <a:p>
-            <a:pPr marL="0" indent="0">
-              <a:buNone/>
-            </a:pPr>
+              <a:t>incrementally</a:t>
+            </a:r>
+            <a:r>
+              <a:rPr kumimoji="1" lang="en-US" altLang="ko-KR" dirty="0"/>
+              <a:t>, one piece at a time</a:t>
+            </a:r>
+          </a:p>
+          <a:p>
+            <a:r>
+              <a:rPr kumimoji="1" lang="en-US" altLang="ko-KR" sz="2000" dirty="0"/>
+              <a:t>-&gt; Brute Force Mechanism</a:t>
+            </a:r>
+          </a:p>
+          <a:p>
             <a:endParaRPr kumimoji="1" lang="en-US" altLang="ko-KR" dirty="0"/>
           </a:p>
           <a:p>
-            <a:pPr marL="0" indent="0">
-              <a:buNone/>
-            </a:pPr>
-            <a:r>
-              <a:rPr kumimoji="1" lang="en-US" altLang="ko-KR" dirty="0"/>
-              <a:t>2.</a:t>
-            </a:r>
-            <a:r>
-              <a:rPr kumimoji="1" lang="ko-KR" altLang="en-US" dirty="0"/>
-              <a:t> </a:t>
-            </a:r>
-            <a:r>
-              <a:rPr kumimoji="1" lang="en-US" altLang="ko-KR" dirty="0"/>
-              <a:t>if-else Condition</a:t>
-            </a:r>
-          </a:p>
-          <a:p>
-            <a:pPr marL="0" indent="0">
-              <a:buNone/>
-            </a:pPr>
-            <a:r>
-              <a:rPr kumimoji="1" lang="ko-KR" altLang="en-US" dirty="0"/>
-              <a:t>    현재 탐색중인 </a:t>
-            </a:r>
-            <a:r>
-              <a:rPr kumimoji="1" lang="en-US" altLang="ko-KR" dirty="0"/>
-              <a:t>Branch</a:t>
-            </a:r>
-            <a:r>
-              <a:rPr kumimoji="1" lang="ko-KR" altLang="en-US" dirty="0"/>
-              <a:t>가 </a:t>
-            </a:r>
-            <a:r>
-              <a:rPr kumimoji="1" lang="ko-KR" altLang="en-US" dirty="0">
+            <a:endParaRPr kumimoji="1" lang="en-US" altLang="ko-KR" dirty="0"/>
+          </a:p>
+          <a:p>
+            <a:endParaRPr kumimoji="1" lang="en-US" altLang="ko-KR" dirty="0"/>
+          </a:p>
+          <a:p>
+            <a:endParaRPr kumimoji="1" lang="en-US" altLang="ko-KR" dirty="0"/>
+          </a:p>
+          <a:p>
+            <a:r>
+              <a:rPr kumimoji="1" lang="en-US" altLang="ko-KR" dirty="0">
+                <a:ln>
+                  <a:solidFill>
+                    <a:schemeClr val="accent2"/>
+                  </a:solidFill>
+                </a:ln>
                 <a:solidFill>
                   <a:schemeClr val="accent2"/>
                 </a:solidFill>
               </a:rPr>
-              <a:t>유망한지 판별 </a:t>
+              <a:t>Remove</a:t>
+            </a:r>
+            <a:r>
+              <a:rPr kumimoji="1" lang="en-US" altLang="ko-KR" dirty="0"/>
+              <a:t> solutions that fail to satisfy constraints of the problem</a:t>
+            </a:r>
+          </a:p>
+          <a:p>
+            <a:r>
+              <a:rPr kumimoji="1" lang="en-US" altLang="ko-KR" sz="2000" dirty="0"/>
+              <a:t>-&gt; Brute Force </a:t>
+            </a:r>
+            <a:r>
+              <a:rPr kumimoji="1" lang="en-US" altLang="ko-KR" sz="2000" dirty="0">
+                <a:solidFill>
+                  <a:schemeClr val="accent2"/>
+                </a:solidFill>
+              </a:rPr>
+              <a:t>with if-else conditions</a:t>
+            </a:r>
+          </a:p>
+        </p:txBody>
+      </p:sp>
+      <p:sp>
+        <p:nvSpPr>
+          <p:cNvPr id="2" name="TextBox 1">
+            <a:extLst>
+              <a:ext uri="{FF2B5EF4-FFF2-40B4-BE49-F238E27FC236}">
+                <a16:creationId xmlns:a16="http://schemas.microsoft.com/office/drawing/2014/main" id="{F19BD5AB-22DA-8A9F-E465-C6681D9F67F8}"/>
+              </a:ext>
+            </a:extLst>
+          </p:cNvPr>
+          <p:cNvSpPr txBox="1"/>
+          <p:nvPr/>
+        </p:nvSpPr>
+        <p:spPr>
+          <a:xfrm>
+            <a:off x="2301240" y="6034091"/>
+            <a:ext cx="7589520" cy="646331"/>
+          </a:xfrm>
+          <a:prstGeom prst="rect">
+            <a:avLst/>
+          </a:prstGeom>
+          <a:noFill/>
+        </p:spPr>
+        <p:txBody>
+          <a:bodyPr wrap="square" rtlCol="0">
+            <a:spAutoFit/>
+          </a:bodyPr>
+          <a:lstStyle/>
+          <a:p>
+            <a:r>
+              <a:rPr kumimoji="1" lang="en-US" altLang="ko-KR" dirty="0" err="1"/>
+              <a:t>cf</a:t>
+            </a:r>
+            <a:r>
+              <a:rPr kumimoji="1" lang="en-US" altLang="ko-KR" dirty="0"/>
+              <a:t>) brute force : </a:t>
             </a:r>
             <a:r>
               <a:rPr kumimoji="1" lang="ko-KR" altLang="en-US" dirty="0"/>
-              <a:t>후</a:t>
-            </a:r>
-            <a:r>
-              <a:rPr kumimoji="1" lang="en-US" altLang="ko-KR" dirty="0"/>
-              <a:t>,</a:t>
-            </a:r>
-            <a:r>
-              <a:rPr kumimoji="1" lang="ko-KR" altLang="en-US" dirty="0"/>
-              <a:t> 탐색을 할지 말지</a:t>
+              <a:t>모든 경우를 하나씩 대입해보며 답을 찾는 알고리즘</a:t>
             </a:r>
             <a:endParaRPr kumimoji="1" lang="en-US" altLang="ko-KR" dirty="0"/>
           </a:p>
           <a:p>
-            <a:pPr marL="0" indent="0">
-              <a:buNone/>
-            </a:pPr>
-            <a:r>
-              <a:rPr kumimoji="1" lang="ko-KR" altLang="en-US" dirty="0"/>
-              <a:t>    결정함</a:t>
-            </a:r>
-            <a:endParaRPr kumimoji="1" lang="en-US" altLang="ko-KR" dirty="0"/>
-          </a:p>
-          <a:p>
-            <a:pPr marL="0" indent="0">
-              <a:buNone/>
-            </a:pPr>
-            <a:endParaRPr kumimoji="1" lang="en-US" altLang="ko-KR" dirty="0"/>
-          </a:p>
-          <a:p>
-            <a:pPr marL="0" indent="0">
-              <a:buNone/>
-            </a:pPr>
-            <a:r>
-              <a:rPr kumimoji="1" lang="en-US" altLang="ko-KR" dirty="0"/>
-              <a:t>3.</a:t>
-            </a:r>
-            <a:r>
-              <a:rPr kumimoji="1" lang="ko-KR" altLang="en-US" dirty="0"/>
-              <a:t> </a:t>
-            </a:r>
-            <a:r>
-              <a:rPr kumimoji="1" lang="en-US" altLang="ko-KR" dirty="0"/>
-              <a:t>Recursive Function</a:t>
-            </a:r>
-          </a:p>
-          <a:p>
-            <a:pPr marL="0" indent="0">
-              <a:buNone/>
-            </a:pPr>
-            <a:r>
-              <a:rPr kumimoji="1" lang="en-US" altLang="ko-KR" dirty="0"/>
-              <a:t>    </a:t>
-            </a:r>
-            <a:r>
-              <a:rPr kumimoji="1" lang="ko-KR" altLang="en-US" dirty="0"/>
-              <a:t>유망하다고 생각되면</a:t>
-            </a:r>
-            <a:r>
-              <a:rPr kumimoji="1" lang="en-US" altLang="ko-KR" dirty="0"/>
-              <a:t>,</a:t>
-            </a:r>
-            <a:r>
-              <a:rPr kumimoji="1" lang="ko-KR" altLang="en-US" dirty="0"/>
-              <a:t> 계속 탐색을 진행함</a:t>
-            </a:r>
-            <a:r>
-              <a:rPr kumimoji="1" lang="en-US" altLang="ko-KR" dirty="0"/>
-              <a:t>.</a:t>
-            </a:r>
-          </a:p>
-          <a:p>
-            <a:pPr marL="0" indent="0">
-              <a:buNone/>
-            </a:pPr>
             <a:endParaRPr kumimoji="1" lang="ko-KR" altLang="en-US" dirty="0"/>
           </a:p>
         </p:txBody>
@@ -7176,7 +6701,7 @@
     </p:spTree>
     <p:extLst>
       <p:ext uri="{BB962C8B-B14F-4D97-AF65-F5344CB8AC3E}">
-        <p14:creationId xmlns:p14="http://schemas.microsoft.com/office/powerpoint/2010/main" val="4120101571"/>
+        <p14:creationId xmlns:p14="http://schemas.microsoft.com/office/powerpoint/2010/main" val="2747905098"/>
       </p:ext>
     </p:extLst>
   </p:cSld>
@@ -7208,7 +6733,7 @@
           <p:cNvPr id="2" name="제목 1">
             <a:extLst>
               <a:ext uri="{FF2B5EF4-FFF2-40B4-BE49-F238E27FC236}">
-                <a16:creationId xmlns:a16="http://schemas.microsoft.com/office/drawing/2014/main" id="{FD12257F-03E4-8950-1ABF-1C3008A2FFA4}"/>
+                <a16:creationId xmlns:a16="http://schemas.microsoft.com/office/drawing/2014/main" id="{65DB84FE-73B6-4E75-2103-A5C111A1886E}"/>
               </a:ext>
             </a:extLst>
           </p:cNvPr>
@@ -7219,14 +6744,19 @@
             <p:ph type="title"/>
           </p:nvPr>
         </p:nvSpPr>
-        <p:spPr/>
+        <p:spPr>
+          <a:xfrm>
+            <a:off x="838200" y="365126"/>
+            <a:ext cx="10515600" cy="818216"/>
+          </a:xfrm>
+        </p:spPr>
         <p:txBody>
           <a:bodyPr/>
           <a:lstStyle/>
           <a:p>
             <a:r>
               <a:rPr kumimoji="1" lang="en-US" altLang="ko-KR" dirty="0"/>
-              <a:t>Example 1</a:t>
+              <a:t>Basic design</a:t>
             </a:r>
             <a:endParaRPr kumimoji="1" lang="ko-KR" altLang="en-US" dirty="0"/>
           </a:p>
@@ -7237,7 +6767,7 @@
           <p:cNvPr id="3" name="내용 개체 틀 2">
             <a:extLst>
               <a:ext uri="{FF2B5EF4-FFF2-40B4-BE49-F238E27FC236}">
-                <a16:creationId xmlns:a16="http://schemas.microsoft.com/office/drawing/2014/main" id="{46E03117-3707-A6E8-3B2F-78834D3597F7}"/>
+                <a16:creationId xmlns:a16="http://schemas.microsoft.com/office/drawing/2014/main" id="{936BF70E-274C-5AFA-3C75-87CD2E2D3C84}"/>
               </a:ext>
             </a:extLst>
           </p:cNvPr>
@@ -7250,38 +6780,180 @@
         </p:nvSpPr>
         <p:spPr/>
         <p:txBody>
-          <a:bodyPr/>
-          <a:lstStyle/>
-          <a:p>
+          <a:bodyPr>
+            <a:normAutofit lnSpcReduction="10000"/>
+          </a:bodyPr>
+          <a:lstStyle/>
+          <a:p>
+            <a:pPr marL="514350" indent="-514350">
+              <a:buAutoNum type="arabicPeriod"/>
+            </a:pPr>
             <a:r>
               <a:rPr kumimoji="1" lang="en-US" altLang="ko-KR" dirty="0"/>
-              <a:t>N, K are given</a:t>
-            </a:r>
-          </a:p>
-          <a:p>
+              <a:t>Base Condition</a:t>
+            </a:r>
+          </a:p>
+          <a:p>
+            <a:pPr marL="0" indent="0">
+              <a:buNone/>
+            </a:pPr>
+            <a:r>
+              <a:rPr kumimoji="1" lang="ko-KR" altLang="en-US" dirty="0"/>
+              <a:t>    원하는 깊이나 값에 도달하면 반환 </a:t>
+            </a:r>
+            <a:r>
+              <a:rPr kumimoji="1" lang="en-US" altLang="ko-KR" dirty="0"/>
+              <a:t>or </a:t>
+            </a:r>
+            <a:r>
+              <a:rPr kumimoji="1" lang="ko-KR" altLang="en-US" dirty="0"/>
+              <a:t>저장하고 </a:t>
+            </a:r>
+            <a:r>
+              <a:rPr kumimoji="1" lang="ko-KR" altLang="en-US" dirty="0" err="1">
+                <a:solidFill>
+                  <a:schemeClr val="accent2"/>
+                </a:solidFill>
+              </a:rPr>
+              <a:t>돌아감</a:t>
+            </a:r>
+            <a:endParaRPr kumimoji="1" lang="en-US" altLang="ko-KR" dirty="0">
+              <a:solidFill>
+                <a:schemeClr val="accent2"/>
+              </a:solidFill>
+            </a:endParaRPr>
+          </a:p>
+          <a:p>
+            <a:pPr marL="0" indent="0">
+              <a:buNone/>
+            </a:pPr>
             <a:endParaRPr kumimoji="1" lang="en-US" altLang="ko-KR" dirty="0"/>
           </a:p>
           <a:p>
+            <a:pPr marL="0" indent="0">
+              <a:buNone/>
+            </a:pPr>
+            <a:r>
+              <a:rPr kumimoji="1" lang="en-US" altLang="ko-KR" dirty="0"/>
+              <a:t>2.</a:t>
+            </a:r>
+            <a:r>
+              <a:rPr kumimoji="1" lang="ko-KR" altLang="en-US" dirty="0"/>
+              <a:t> </a:t>
+            </a:r>
+            <a:r>
+              <a:rPr kumimoji="1" lang="en-US" altLang="ko-KR" dirty="0"/>
+              <a:t>if-else Condition</a:t>
+            </a:r>
+          </a:p>
+          <a:p>
+            <a:pPr marL="0" indent="0">
+              <a:buNone/>
+            </a:pPr>
+            <a:r>
+              <a:rPr kumimoji="1" lang="ko-KR" altLang="en-US" dirty="0"/>
+              <a:t>    현재 탐색중인 </a:t>
+            </a:r>
+            <a:r>
+              <a:rPr kumimoji="1" lang="en-US" altLang="ko-KR" dirty="0"/>
+              <a:t>Branch</a:t>
+            </a:r>
+            <a:r>
+              <a:rPr kumimoji="1" lang="ko-KR" altLang="en-US" dirty="0"/>
+              <a:t>가 </a:t>
+            </a:r>
+            <a:r>
+              <a:rPr kumimoji="1" lang="ko-KR" altLang="en-US" dirty="0">
+                <a:solidFill>
+                  <a:schemeClr val="accent2"/>
+                </a:solidFill>
+              </a:rPr>
+              <a:t>유망한지 판별 </a:t>
+            </a:r>
+            <a:r>
+              <a:rPr kumimoji="1" lang="ko-KR" altLang="en-US" dirty="0"/>
+              <a:t>후</a:t>
+            </a:r>
+            <a:r>
+              <a:rPr kumimoji="1" lang="en-US" altLang="ko-KR" dirty="0"/>
+              <a:t>,</a:t>
+            </a:r>
+            <a:r>
+              <a:rPr kumimoji="1" lang="ko-KR" altLang="en-US" dirty="0"/>
+              <a:t> 탐색을 할지 말지</a:t>
+            </a:r>
             <a:endParaRPr kumimoji="1" lang="en-US" altLang="ko-KR" dirty="0"/>
           </a:p>
           <a:p>
+            <a:pPr marL="0" indent="0">
+              <a:buNone/>
+            </a:pPr>
+            <a:r>
+              <a:rPr kumimoji="1" lang="ko-KR" altLang="en-US" dirty="0"/>
+              <a:t>    결정함</a:t>
+            </a:r>
+            <a:endParaRPr kumimoji="1" lang="en-US" altLang="ko-KR" dirty="0"/>
+          </a:p>
+          <a:p>
+            <a:pPr marL="0" indent="0">
+              <a:buNone/>
+            </a:pPr>
+            <a:endParaRPr kumimoji="1" lang="en-US" altLang="ko-KR" dirty="0"/>
+          </a:p>
+          <a:p>
+            <a:pPr marL="0" indent="0">
+              <a:buNone/>
+            </a:pPr>
             <a:r>
               <a:rPr kumimoji="1" lang="en-US" altLang="ko-KR" dirty="0"/>
-              <a:t>Find all permutation with length of K with natural number under N with no overlap</a:t>
-            </a:r>
-          </a:p>
-          <a:p>
-            <a:endParaRPr kumimoji="1" lang="en-US" altLang="ko-KR" dirty="0"/>
-          </a:p>
-          <a:p>
-            <a:endParaRPr kumimoji="1" lang="en-US" altLang="ko-KR" dirty="0"/>
+              <a:t>3.</a:t>
+            </a:r>
+            <a:r>
+              <a:rPr kumimoji="1" lang="ko-KR" altLang="en-US" dirty="0"/>
+              <a:t> </a:t>
+            </a:r>
+            <a:r>
+              <a:rPr kumimoji="1" lang="en-US" altLang="ko-KR" dirty="0"/>
+              <a:t>Recursive Function</a:t>
+            </a:r>
+          </a:p>
+          <a:p>
+            <a:pPr marL="0" indent="0">
+              <a:buNone/>
+            </a:pPr>
+            <a:r>
+              <a:rPr kumimoji="1" lang="en-US" altLang="ko-KR" dirty="0"/>
+              <a:t>    </a:t>
+            </a:r>
+            <a:r>
+              <a:rPr kumimoji="1" lang="ko-KR" altLang="en-US" dirty="0"/>
+              <a:t>유망하다고 생각되면</a:t>
+            </a:r>
+            <a:r>
+              <a:rPr kumimoji="1" lang="en-US" altLang="ko-KR" dirty="0"/>
+              <a:t>,</a:t>
+            </a:r>
+            <a:r>
+              <a:rPr kumimoji="1" lang="ko-KR" altLang="en-US" dirty="0"/>
+              <a:t> 계속 탐색을 진행함</a:t>
+            </a:r>
+            <a:r>
+              <a:rPr kumimoji="1" lang="en-US" altLang="ko-KR" dirty="0"/>
+              <a:t>.</a:t>
+            </a:r>
+          </a:p>
+          <a:p>
+            <a:pPr marL="0" indent="0">
+              <a:buNone/>
+            </a:pPr>
+            <a:endParaRPr kumimoji="1" lang="ko-KR" altLang="en-US" dirty="0"/>
           </a:p>
         </p:txBody>
       </p:sp>
     </p:spTree>
     <p:extLst>
       <p:ext uri="{BB962C8B-B14F-4D97-AF65-F5344CB8AC3E}">
-        <p14:creationId xmlns:p14="http://schemas.microsoft.com/office/powerpoint/2010/main" val="3542855928"/>
+        <p14:creationId xmlns:p14="http://schemas.microsoft.com/office/powerpoint/2010/main" val="4120101571"/>
       </p:ext>
     </p:extLst>
   </p:cSld>
